--- a/Basketball-Elimination_problem.pptx
+++ b/Basketball-Elimination_problem.pptx
@@ -5,10 +5,10 @@
     <p:sldMasterId id="2147483660" r:id="rId4"/>
   </p:sldMasterIdLst>
   <p:notesMasterIdLst>
-    <p:notesMasterId r:id="rId16"/>
+    <p:notesMasterId r:id="rId17"/>
   </p:notesMasterIdLst>
   <p:handoutMasterIdLst>
-    <p:handoutMasterId r:id="rId17"/>
+    <p:handoutMasterId r:id="rId18"/>
   </p:handoutMasterIdLst>
   <p:sldIdLst>
     <p:sldId id="256" r:id="rId5"/>
@@ -22,6 +22,7 @@
     <p:sldId id="289" r:id="rId13"/>
     <p:sldId id="290" r:id="rId14"/>
     <p:sldId id="291" r:id="rId15"/>
+    <p:sldId id="292" r:id="rId16"/>
   </p:sldIdLst>
   <p:sldSz cx="12192000" cy="6858000"/>
   <p:notesSz cx="6858000" cy="9144000"/>
@@ -144,6 +145,7 @@
             <p14:sldId id="289"/>
             <p14:sldId id="290"/>
             <p14:sldId id="291"/>
+            <p14:sldId id="292"/>
           </p14:sldIdLst>
         </p14:section>
       </p14:sectionLst>
@@ -257,7 +259,7 @@
           <a:p>
             <a:fld id="{80680FBE-A8DF-4758-9AC4-3A9E1039168F}" type="datetimeFigureOut">
               <a:rPr lang="en-US" smtClean="0"/>
-              <a:t>4/17/2020</a:t>
+              <a:t>5/9/2020</a:t>
             </a:fld>
             <a:endParaRPr lang="en-US" dirty="0"/>
           </a:p>
@@ -422,7 +424,7 @@
           <a:p>
             <a:fld id="{EC13577B-6902-467D-A26C-08A0DD5E4E03}" type="datetimeFigureOut">
               <a:rPr lang="en-US" smtClean="0"/>
-              <a:t>4/17/2020</a:t>
+              <a:t>5/9/2020</a:t>
             </a:fld>
             <a:endParaRPr lang="en-US" dirty="0"/>
           </a:p>
@@ -738,6 +740,21 @@
           <a:bodyPr/>
           <a:lstStyle/>
           <a:p>
+            <a:r>
+              <a:rPr lang="en-US" dirty="0"/>
+              <a:t>This project is about the basketball elimination problem. The problem is to figure out in the middle of a season which teams could not finish first , under any scenario in their conference.</a:t>
+            </a:r>
+          </a:p>
+          <a:p>
+            <a:r>
+              <a:rPr lang="en-US" dirty="0"/>
+              <a:t>This may look like a very simple problem but it actually is not  and we will see that figuring out which team can’t finish first , on any scenario is not that simple.</a:t>
+            </a:r>
+          </a:p>
+          <a:p>
+            <a:endParaRPr lang="en-US" dirty="0"/>
+          </a:p>
+          <a:p>
             <a:endParaRPr lang="en-US" dirty="0"/>
           </a:p>
         </p:txBody>
@@ -769,6 +786,1015 @@
     <p:extLst>
       <p:ext uri="{BB962C8B-B14F-4D97-AF65-F5344CB8AC3E}">
         <p14:creationId xmlns:p14="http://schemas.microsoft.com/office/powerpoint/2010/main" val="1011769815"/>
+      </p:ext>
+    </p:extLst>
+  </p:cSld>
+  <p:clrMapOvr>
+    <a:masterClrMapping/>
+  </p:clrMapOvr>
+</p:notes>
+</file>
+
+<file path=ppt/notesSlides/notesSlide10.xml><?xml version="1.0" encoding="utf-8"?>
+<p:notes xmlns:a="http://schemas.openxmlformats.org/drawingml/2006/main" xmlns:r="http://schemas.openxmlformats.org/officeDocument/2006/relationships" xmlns:p="http://schemas.openxmlformats.org/presentationml/2006/main">
+  <p:cSld>
+    <p:spTree>
+      <p:nvGrpSpPr>
+        <p:cNvPr id="1" name=""/>
+        <p:cNvGrpSpPr/>
+        <p:nvPr/>
+      </p:nvGrpSpPr>
+      <p:grpSpPr>
+        <a:xfrm>
+          <a:off x="0" y="0"/>
+          <a:ext cx="0" cy="0"/>
+          <a:chOff x="0" y="0"/>
+          <a:chExt cx="0" cy="0"/>
+        </a:xfrm>
+      </p:grpSpPr>
+      <p:sp>
+        <p:nvSpPr>
+          <p:cNvPr id="2" name="Slide Image Placeholder 1"/>
+          <p:cNvSpPr>
+            <a:spLocks noGrp="1" noRot="1" noChangeAspect="1"/>
+          </p:cNvSpPr>
+          <p:nvPr>
+            <p:ph type="sldImg"/>
+          </p:nvPr>
+        </p:nvSpPr>
+        <p:spPr/>
+      </p:sp>
+      <p:sp>
+        <p:nvSpPr>
+          <p:cNvPr id="3" name="Notes Placeholder 2"/>
+          <p:cNvSpPr>
+            <a:spLocks noGrp="1"/>
+          </p:cNvSpPr>
+          <p:nvPr>
+            <p:ph type="body" idx="1"/>
+          </p:nvPr>
+        </p:nvSpPr>
+        <p:spPr/>
+        <p:txBody>
+          <a:bodyPr/>
+          <a:lstStyle/>
+          <a:p>
+            <a:r>
+              <a:rPr lang="en-US" dirty="0"/>
+              <a:t>Here we see the 2 input files. One file is the team file that contains the list of teams and in which conference each team belongs to , and the second file is a files with games and their results and also the list of </a:t>
+            </a:r>
+            <a:r>
+              <a:rPr lang="en-US" dirty="0" err="1"/>
+              <a:t>unplayed</a:t>
+            </a:r>
+            <a:r>
+              <a:rPr lang="en-US" dirty="0"/>
+              <a:t> games. The Haskell program will be able to compute based on this which teams are  eliminated.</a:t>
+            </a:r>
+          </a:p>
+        </p:txBody>
+      </p:sp>
+      <p:sp>
+        <p:nvSpPr>
+          <p:cNvPr id="4" name="Slide Number Placeholder 3"/>
+          <p:cNvSpPr>
+            <a:spLocks noGrp="1"/>
+          </p:cNvSpPr>
+          <p:nvPr>
+            <p:ph type="sldNum" sz="quarter" idx="5"/>
+          </p:nvPr>
+        </p:nvSpPr>
+        <p:spPr/>
+        <p:txBody>
+          <a:bodyPr/>
+          <a:lstStyle/>
+          <a:p>
+            <a:fld id="{DF61EA0F-A667-4B49-8422-0062BC55E249}" type="slidenum">
+              <a:rPr lang="en-US" smtClean="0"/>
+              <a:t>10</a:t>
+            </a:fld>
+            <a:endParaRPr lang="en-US" dirty="0"/>
+          </a:p>
+        </p:txBody>
+      </p:sp>
+    </p:spTree>
+    <p:extLst>
+      <p:ext uri="{BB962C8B-B14F-4D97-AF65-F5344CB8AC3E}">
+        <p14:creationId xmlns:p14="http://schemas.microsoft.com/office/powerpoint/2010/main" val="1703869595"/>
+      </p:ext>
+    </p:extLst>
+  </p:cSld>
+  <p:clrMapOvr>
+    <a:masterClrMapping/>
+  </p:clrMapOvr>
+</p:notes>
+</file>
+
+<file path=ppt/notesSlides/notesSlide11.xml><?xml version="1.0" encoding="utf-8"?>
+<p:notes xmlns:a="http://schemas.openxmlformats.org/drawingml/2006/main" xmlns:r="http://schemas.openxmlformats.org/officeDocument/2006/relationships" xmlns:p="http://schemas.openxmlformats.org/presentationml/2006/main">
+  <p:cSld>
+    <p:spTree>
+      <p:nvGrpSpPr>
+        <p:cNvPr id="1" name=""/>
+        <p:cNvGrpSpPr/>
+        <p:nvPr/>
+      </p:nvGrpSpPr>
+      <p:grpSpPr>
+        <a:xfrm>
+          <a:off x="0" y="0"/>
+          <a:ext cx="0" cy="0"/>
+          <a:chOff x="0" y="0"/>
+          <a:chExt cx="0" cy="0"/>
+        </a:xfrm>
+      </p:grpSpPr>
+      <p:sp>
+        <p:nvSpPr>
+          <p:cNvPr id="2" name="Slide Image Placeholder 1"/>
+          <p:cNvSpPr>
+            <a:spLocks noGrp="1" noRot="1" noChangeAspect="1"/>
+          </p:cNvSpPr>
+          <p:nvPr>
+            <p:ph type="sldImg"/>
+          </p:nvPr>
+        </p:nvSpPr>
+        <p:spPr/>
+      </p:sp>
+      <p:sp>
+        <p:nvSpPr>
+          <p:cNvPr id="3" name="Notes Placeholder 2"/>
+          <p:cNvSpPr>
+            <a:spLocks noGrp="1"/>
+          </p:cNvSpPr>
+          <p:nvPr>
+            <p:ph type="body" idx="1"/>
+          </p:nvPr>
+        </p:nvSpPr>
+        <p:spPr/>
+        <p:txBody>
+          <a:bodyPr/>
+          <a:lstStyle/>
+          <a:p>
+            <a:r>
+              <a:rPr lang="en-US" b="0" dirty="0"/>
+              <a:t>To demonstrate the project on a live data I tried it  on the NBA season 2019-2020  that was suspended because of the pandemic so it has a lot of unsprayed games. I implemented a Haskell function </a:t>
+            </a:r>
+            <a:r>
+              <a:rPr lang="en-US" b="0" dirty="0" err="1">
+                <a:latin typeface="Comic Sans MS" panose="030F0702030302020204" pitchFamily="66" charset="0"/>
+              </a:rPr>
+              <a:t>downloadGamesfromWeb</a:t>
+            </a:r>
+            <a:r>
+              <a:rPr lang="en-US" b="0" dirty="0">
+                <a:latin typeface="Comic Sans MS" panose="030F0702030302020204" pitchFamily="66" charset="0"/>
+              </a:rPr>
+              <a:t> that downloads the games file locally and then called eliminationMaxFlowFromFile to compute elimination – I got this list in read. I check the results manually as much as I could.</a:t>
+            </a:r>
+            <a:endParaRPr lang="en-US" b="0" dirty="0"/>
+          </a:p>
+        </p:txBody>
+      </p:sp>
+      <p:sp>
+        <p:nvSpPr>
+          <p:cNvPr id="4" name="Slide Number Placeholder 3"/>
+          <p:cNvSpPr>
+            <a:spLocks noGrp="1"/>
+          </p:cNvSpPr>
+          <p:nvPr>
+            <p:ph type="sldNum" sz="quarter" idx="5"/>
+          </p:nvPr>
+        </p:nvSpPr>
+        <p:spPr/>
+        <p:txBody>
+          <a:bodyPr/>
+          <a:lstStyle/>
+          <a:p>
+            <a:fld id="{DF61EA0F-A667-4B49-8422-0062BC55E249}" type="slidenum">
+              <a:rPr lang="en-US" smtClean="0"/>
+              <a:t>11</a:t>
+            </a:fld>
+            <a:endParaRPr lang="en-US" dirty="0"/>
+          </a:p>
+        </p:txBody>
+      </p:sp>
+    </p:spTree>
+    <p:extLst>
+      <p:ext uri="{BB962C8B-B14F-4D97-AF65-F5344CB8AC3E}">
+        <p14:creationId xmlns:p14="http://schemas.microsoft.com/office/powerpoint/2010/main" val="2152903251"/>
+      </p:ext>
+    </p:extLst>
+  </p:cSld>
+  <p:clrMapOvr>
+    <a:masterClrMapping/>
+  </p:clrMapOvr>
+</p:notes>
+</file>
+
+<file path=ppt/notesSlides/notesSlide12.xml><?xml version="1.0" encoding="utf-8"?>
+<p:notes xmlns:a="http://schemas.openxmlformats.org/drawingml/2006/main" xmlns:r="http://schemas.openxmlformats.org/officeDocument/2006/relationships" xmlns:p="http://schemas.openxmlformats.org/presentationml/2006/main">
+  <p:cSld>
+    <p:spTree>
+      <p:nvGrpSpPr>
+        <p:cNvPr id="1" name=""/>
+        <p:cNvGrpSpPr/>
+        <p:nvPr/>
+      </p:nvGrpSpPr>
+      <p:grpSpPr>
+        <a:xfrm>
+          <a:off x="0" y="0"/>
+          <a:ext cx="0" cy="0"/>
+          <a:chOff x="0" y="0"/>
+          <a:chExt cx="0" cy="0"/>
+        </a:xfrm>
+      </p:grpSpPr>
+      <p:sp>
+        <p:nvSpPr>
+          <p:cNvPr id="2" name="Slide Image Placeholder 1"/>
+          <p:cNvSpPr>
+            <a:spLocks noGrp="1" noRot="1" noChangeAspect="1"/>
+          </p:cNvSpPr>
+          <p:nvPr>
+            <p:ph type="sldImg"/>
+          </p:nvPr>
+        </p:nvSpPr>
+        <p:spPr/>
+      </p:sp>
+      <p:sp>
+        <p:nvSpPr>
+          <p:cNvPr id="3" name="Notes Placeholder 2"/>
+          <p:cNvSpPr>
+            <a:spLocks noGrp="1"/>
+          </p:cNvSpPr>
+          <p:nvPr>
+            <p:ph type="body" idx="1"/>
+          </p:nvPr>
+        </p:nvSpPr>
+        <p:spPr/>
+        <p:txBody>
+          <a:bodyPr/>
+          <a:lstStyle/>
+          <a:p>
+            <a:r>
+              <a:rPr lang="en-US" b="0" dirty="0"/>
+              <a:t>The main problem in this project is testing on scale. Brute force is not practical. One of option is to represent the elimination as linear constraint problem and solve it using the simplex method. This could be used as another verification method.</a:t>
+            </a:r>
+          </a:p>
+          <a:p>
+            <a:endParaRPr lang="en-US" b="0" dirty="0"/>
+          </a:p>
+          <a:p>
+            <a:r>
+              <a:rPr lang="en-US" b="0" dirty="0"/>
+              <a:t>Thank you for listening it was a very fun project to work on. </a:t>
+            </a:r>
+          </a:p>
+        </p:txBody>
+      </p:sp>
+      <p:sp>
+        <p:nvSpPr>
+          <p:cNvPr id="4" name="Slide Number Placeholder 3"/>
+          <p:cNvSpPr>
+            <a:spLocks noGrp="1"/>
+          </p:cNvSpPr>
+          <p:nvPr>
+            <p:ph type="sldNum" sz="quarter" idx="5"/>
+          </p:nvPr>
+        </p:nvSpPr>
+        <p:spPr/>
+        <p:txBody>
+          <a:bodyPr/>
+          <a:lstStyle/>
+          <a:p>
+            <a:fld id="{DF61EA0F-A667-4B49-8422-0062BC55E249}" type="slidenum">
+              <a:rPr lang="en-US" smtClean="0"/>
+              <a:t>12</a:t>
+            </a:fld>
+            <a:endParaRPr lang="en-US" dirty="0"/>
+          </a:p>
+        </p:txBody>
+      </p:sp>
+    </p:spTree>
+    <p:extLst>
+      <p:ext uri="{BB962C8B-B14F-4D97-AF65-F5344CB8AC3E}">
+        <p14:creationId xmlns:p14="http://schemas.microsoft.com/office/powerpoint/2010/main" val="3871319920"/>
+      </p:ext>
+    </p:extLst>
+  </p:cSld>
+  <p:clrMapOvr>
+    <a:masterClrMapping/>
+  </p:clrMapOvr>
+</p:notes>
+</file>
+
+<file path=ppt/notesSlides/notesSlide2.xml><?xml version="1.0" encoding="utf-8"?>
+<p:notes xmlns:a="http://schemas.openxmlformats.org/drawingml/2006/main" xmlns:r="http://schemas.openxmlformats.org/officeDocument/2006/relationships" xmlns:p="http://schemas.openxmlformats.org/presentationml/2006/main">
+  <p:cSld>
+    <p:spTree>
+      <p:nvGrpSpPr>
+        <p:cNvPr id="1" name=""/>
+        <p:cNvGrpSpPr/>
+        <p:nvPr/>
+      </p:nvGrpSpPr>
+      <p:grpSpPr>
+        <a:xfrm>
+          <a:off x="0" y="0"/>
+          <a:ext cx="0" cy="0"/>
+          <a:chOff x="0" y="0"/>
+          <a:chExt cx="0" cy="0"/>
+        </a:xfrm>
+      </p:grpSpPr>
+      <p:sp>
+        <p:nvSpPr>
+          <p:cNvPr id="2" name="Slide Image Placeholder 1"/>
+          <p:cNvSpPr>
+            <a:spLocks noGrp="1" noRot="1" noChangeAspect="1"/>
+          </p:cNvSpPr>
+          <p:nvPr>
+            <p:ph type="sldImg"/>
+          </p:nvPr>
+        </p:nvSpPr>
+        <p:spPr/>
+      </p:sp>
+      <p:sp>
+        <p:nvSpPr>
+          <p:cNvPr id="3" name="Notes Placeholder 2"/>
+          <p:cNvSpPr>
+            <a:spLocks noGrp="1"/>
+          </p:cNvSpPr>
+          <p:nvPr>
+            <p:ph type="body" idx="1"/>
+          </p:nvPr>
+        </p:nvSpPr>
+        <p:spPr/>
+        <p:txBody>
+          <a:bodyPr/>
+          <a:lstStyle/>
+          <a:p>
+            <a:r>
+              <a:rPr lang="en-US" dirty="0"/>
+              <a:t>Lets start with a simple example – we see that team 4 is at the  bottom but can it finish first if it wins all its remaining games ? It need to play a game against team 1  and 2 games against team 2 , so even if it wins all those 3 games it will have only 80 points so it can’t finish first as team1 has already 83 points.  So Yes  team 4 is eliminated.</a:t>
+            </a:r>
+          </a:p>
+        </p:txBody>
+      </p:sp>
+      <p:sp>
+        <p:nvSpPr>
+          <p:cNvPr id="4" name="Slide Number Placeholder 3"/>
+          <p:cNvSpPr>
+            <a:spLocks noGrp="1"/>
+          </p:cNvSpPr>
+          <p:nvPr>
+            <p:ph type="sldNum" sz="quarter" idx="5"/>
+          </p:nvPr>
+        </p:nvSpPr>
+        <p:spPr/>
+        <p:txBody>
+          <a:bodyPr/>
+          <a:lstStyle/>
+          <a:p>
+            <a:fld id="{DF61EA0F-A667-4B49-8422-0062BC55E249}" type="slidenum">
+              <a:rPr lang="en-US" smtClean="0"/>
+              <a:t>2</a:t>
+            </a:fld>
+            <a:endParaRPr lang="en-US" dirty="0"/>
+          </a:p>
+        </p:txBody>
+      </p:sp>
+    </p:spTree>
+    <p:extLst>
+      <p:ext uri="{BB962C8B-B14F-4D97-AF65-F5344CB8AC3E}">
+        <p14:creationId xmlns:p14="http://schemas.microsoft.com/office/powerpoint/2010/main" val="1545079609"/>
+      </p:ext>
+    </p:extLst>
+  </p:cSld>
+  <p:clrMapOvr>
+    <a:masterClrMapping/>
+  </p:clrMapOvr>
+</p:notes>
+</file>
+
+<file path=ppt/notesSlides/notesSlide3.xml><?xml version="1.0" encoding="utf-8"?>
+<p:notes xmlns:a="http://schemas.openxmlformats.org/drawingml/2006/main" xmlns:r="http://schemas.openxmlformats.org/officeDocument/2006/relationships" xmlns:p="http://schemas.openxmlformats.org/presentationml/2006/main">
+  <p:cSld>
+    <p:spTree>
+      <p:nvGrpSpPr>
+        <p:cNvPr id="1" name=""/>
+        <p:cNvGrpSpPr/>
+        <p:nvPr/>
+      </p:nvGrpSpPr>
+      <p:grpSpPr>
+        <a:xfrm>
+          <a:off x="0" y="0"/>
+          <a:ext cx="0" cy="0"/>
+          <a:chOff x="0" y="0"/>
+          <a:chExt cx="0" cy="0"/>
+        </a:xfrm>
+      </p:grpSpPr>
+      <p:sp>
+        <p:nvSpPr>
+          <p:cNvPr id="2" name="Slide Image Placeholder 1"/>
+          <p:cNvSpPr>
+            <a:spLocks noGrp="1" noRot="1" noChangeAspect="1"/>
+          </p:cNvSpPr>
+          <p:nvPr>
+            <p:ph type="sldImg"/>
+          </p:nvPr>
+        </p:nvSpPr>
+        <p:spPr/>
+      </p:sp>
+      <p:sp>
+        <p:nvSpPr>
+          <p:cNvPr id="3" name="Notes Placeholder 2"/>
+          <p:cNvSpPr>
+            <a:spLocks noGrp="1"/>
+          </p:cNvSpPr>
+          <p:nvPr>
+            <p:ph type="body" idx="1"/>
+          </p:nvPr>
+        </p:nvSpPr>
+        <p:spPr/>
+        <p:txBody>
+          <a:bodyPr/>
+          <a:lstStyle/>
+          <a:p>
+            <a:r>
+              <a:rPr lang="en-US" dirty="0"/>
+              <a:t>Let's look at a more complicated example and ask if team5 is eliminated or not. From a first look, if team5 will win all its rearming 27  games it  will have  76 points so many be it is not eliminated ? But other teams will play games as well , and points will be awarded  so can it really finish first ?  And the answerer is that team5 is eliminated  and we will show later how we figure this out.</a:t>
+            </a:r>
+          </a:p>
+        </p:txBody>
+      </p:sp>
+      <p:sp>
+        <p:nvSpPr>
+          <p:cNvPr id="4" name="Slide Number Placeholder 3"/>
+          <p:cNvSpPr>
+            <a:spLocks noGrp="1"/>
+          </p:cNvSpPr>
+          <p:nvPr>
+            <p:ph type="sldNum" sz="quarter" idx="5"/>
+          </p:nvPr>
+        </p:nvSpPr>
+        <p:spPr/>
+        <p:txBody>
+          <a:bodyPr/>
+          <a:lstStyle/>
+          <a:p>
+            <a:fld id="{DF61EA0F-A667-4B49-8422-0062BC55E249}" type="slidenum">
+              <a:rPr lang="en-US" smtClean="0"/>
+              <a:t>3</a:t>
+            </a:fld>
+            <a:endParaRPr lang="en-US" dirty="0"/>
+          </a:p>
+        </p:txBody>
+      </p:sp>
+    </p:spTree>
+    <p:extLst>
+      <p:ext uri="{BB962C8B-B14F-4D97-AF65-F5344CB8AC3E}">
+        <p14:creationId xmlns:p14="http://schemas.microsoft.com/office/powerpoint/2010/main" val="2602139896"/>
+      </p:ext>
+    </p:extLst>
+  </p:cSld>
+  <p:clrMapOvr>
+    <a:masterClrMapping/>
+  </p:clrMapOvr>
+</p:notes>
+</file>
+
+<file path=ppt/notesSlides/notesSlide4.xml><?xml version="1.0" encoding="utf-8"?>
+<p:notes xmlns:a="http://schemas.openxmlformats.org/drawingml/2006/main" xmlns:r="http://schemas.openxmlformats.org/officeDocument/2006/relationships" xmlns:p="http://schemas.openxmlformats.org/presentationml/2006/main">
+  <p:cSld>
+    <p:spTree>
+      <p:nvGrpSpPr>
+        <p:cNvPr id="1" name=""/>
+        <p:cNvGrpSpPr/>
+        <p:nvPr/>
+      </p:nvGrpSpPr>
+      <p:grpSpPr>
+        <a:xfrm>
+          <a:off x="0" y="0"/>
+          <a:ext cx="0" cy="0"/>
+          <a:chOff x="0" y="0"/>
+          <a:chExt cx="0" cy="0"/>
+        </a:xfrm>
+      </p:grpSpPr>
+      <p:sp>
+        <p:nvSpPr>
+          <p:cNvPr id="2" name="Slide Image Placeholder 1"/>
+          <p:cNvSpPr>
+            <a:spLocks noGrp="1" noRot="1" noChangeAspect="1"/>
+          </p:cNvSpPr>
+          <p:nvPr>
+            <p:ph type="sldImg"/>
+          </p:nvPr>
+        </p:nvSpPr>
+        <p:spPr/>
+      </p:sp>
+      <p:sp>
+        <p:nvSpPr>
+          <p:cNvPr id="3" name="Notes Placeholder 2"/>
+          <p:cNvSpPr>
+            <a:spLocks noGrp="1"/>
+          </p:cNvSpPr>
+          <p:nvPr>
+            <p:ph type="body" idx="1"/>
+          </p:nvPr>
+        </p:nvSpPr>
+        <p:spPr/>
+        <p:txBody>
+          <a:bodyPr/>
+          <a:lstStyle/>
+          <a:p>
+            <a:r>
+              <a:rPr lang="en-US" dirty="0"/>
+              <a:t>Can we try to solve the problem in a brute force way ? Namely evaluate all possible options of games outcome  and see of team5 are eliminated or not ? The problem is that  will require exponential number of computation, so it is not very practical.</a:t>
+            </a:r>
+          </a:p>
+        </p:txBody>
+      </p:sp>
+      <p:sp>
+        <p:nvSpPr>
+          <p:cNvPr id="4" name="Slide Number Placeholder 3"/>
+          <p:cNvSpPr>
+            <a:spLocks noGrp="1"/>
+          </p:cNvSpPr>
+          <p:nvPr>
+            <p:ph type="sldNum" sz="quarter" idx="5"/>
+          </p:nvPr>
+        </p:nvSpPr>
+        <p:spPr/>
+        <p:txBody>
+          <a:bodyPr/>
+          <a:lstStyle/>
+          <a:p>
+            <a:fld id="{DF61EA0F-A667-4B49-8422-0062BC55E249}" type="slidenum">
+              <a:rPr lang="en-US" smtClean="0"/>
+              <a:t>4</a:t>
+            </a:fld>
+            <a:endParaRPr lang="en-US" dirty="0"/>
+          </a:p>
+        </p:txBody>
+      </p:sp>
+    </p:spTree>
+    <p:extLst>
+      <p:ext uri="{BB962C8B-B14F-4D97-AF65-F5344CB8AC3E}">
+        <p14:creationId xmlns:p14="http://schemas.microsoft.com/office/powerpoint/2010/main" val="2641210863"/>
+      </p:ext>
+    </p:extLst>
+  </p:cSld>
+  <p:clrMapOvr>
+    <a:masterClrMapping/>
+  </p:clrMapOvr>
+</p:notes>
+</file>
+
+<file path=ppt/notesSlides/notesSlide5.xml><?xml version="1.0" encoding="utf-8"?>
+<p:notes xmlns:a="http://schemas.openxmlformats.org/drawingml/2006/main" xmlns:r="http://schemas.openxmlformats.org/officeDocument/2006/relationships" xmlns:p="http://schemas.openxmlformats.org/presentationml/2006/main">
+  <p:cSld>
+    <p:spTree>
+      <p:nvGrpSpPr>
+        <p:cNvPr id="1" name=""/>
+        <p:cNvGrpSpPr/>
+        <p:nvPr/>
+      </p:nvGrpSpPr>
+      <p:grpSpPr>
+        <a:xfrm>
+          <a:off x="0" y="0"/>
+          <a:ext cx="0" cy="0"/>
+          <a:chOff x="0" y="0"/>
+          <a:chExt cx="0" cy="0"/>
+        </a:xfrm>
+      </p:grpSpPr>
+      <p:sp>
+        <p:nvSpPr>
+          <p:cNvPr id="2" name="Slide Image Placeholder 1"/>
+          <p:cNvSpPr>
+            <a:spLocks noGrp="1" noRot="1" noChangeAspect="1"/>
+          </p:cNvSpPr>
+          <p:nvPr>
+            <p:ph type="sldImg"/>
+          </p:nvPr>
+        </p:nvSpPr>
+        <p:spPr/>
+      </p:sp>
+      <p:sp>
+        <p:nvSpPr>
+          <p:cNvPr id="3" name="Notes Placeholder 2"/>
+          <p:cNvSpPr>
+            <a:spLocks noGrp="1"/>
+          </p:cNvSpPr>
+          <p:nvPr>
+            <p:ph type="body" idx="1"/>
+          </p:nvPr>
+        </p:nvSpPr>
+        <p:spPr/>
+        <p:txBody>
+          <a:bodyPr/>
+          <a:lstStyle/>
+          <a:p>
+            <a:r>
+              <a:rPr lang="en-US" dirty="0"/>
+              <a:t>Luckily, we have a better way. We can utilize  graph algorithm called  maxflow to solve the problem. Network flow is a directed graph with source  vertex s and sync  vertex t. The sum of flows entering a vertex should be equal to the sum of  flow leaving the vertex.  Also the flow in each edges should not exceed its capacity.   </a:t>
+            </a:r>
+          </a:p>
+        </p:txBody>
+      </p:sp>
+      <p:sp>
+        <p:nvSpPr>
+          <p:cNvPr id="4" name="Slide Number Placeholder 3"/>
+          <p:cNvSpPr>
+            <a:spLocks noGrp="1"/>
+          </p:cNvSpPr>
+          <p:nvPr>
+            <p:ph type="sldNum" sz="quarter" idx="5"/>
+          </p:nvPr>
+        </p:nvSpPr>
+        <p:spPr/>
+        <p:txBody>
+          <a:bodyPr/>
+          <a:lstStyle/>
+          <a:p>
+            <a:fld id="{DF61EA0F-A667-4B49-8422-0062BC55E249}" type="slidenum">
+              <a:rPr lang="en-US" smtClean="0"/>
+              <a:t>5</a:t>
+            </a:fld>
+            <a:endParaRPr lang="en-US" dirty="0"/>
+          </a:p>
+        </p:txBody>
+      </p:sp>
+    </p:spTree>
+    <p:extLst>
+      <p:ext uri="{BB962C8B-B14F-4D97-AF65-F5344CB8AC3E}">
+        <p14:creationId xmlns:p14="http://schemas.microsoft.com/office/powerpoint/2010/main" val="4071124044"/>
+      </p:ext>
+    </p:extLst>
+  </p:cSld>
+  <p:clrMapOvr>
+    <a:masterClrMapping/>
+  </p:clrMapOvr>
+</p:notes>
+</file>
+
+<file path=ppt/notesSlides/notesSlide6.xml><?xml version="1.0" encoding="utf-8"?>
+<p:notes xmlns:a="http://schemas.openxmlformats.org/drawingml/2006/main" xmlns:r="http://schemas.openxmlformats.org/officeDocument/2006/relationships" xmlns:p="http://schemas.openxmlformats.org/presentationml/2006/main">
+  <p:cSld>
+    <p:spTree>
+      <p:nvGrpSpPr>
+        <p:cNvPr id="1" name=""/>
+        <p:cNvGrpSpPr/>
+        <p:nvPr/>
+      </p:nvGrpSpPr>
+      <p:grpSpPr>
+        <a:xfrm>
+          <a:off x="0" y="0"/>
+          <a:ext cx="0" cy="0"/>
+          <a:chOff x="0" y="0"/>
+          <a:chExt cx="0" cy="0"/>
+        </a:xfrm>
+      </p:grpSpPr>
+      <p:sp>
+        <p:nvSpPr>
+          <p:cNvPr id="2" name="Slide Image Placeholder 1"/>
+          <p:cNvSpPr>
+            <a:spLocks noGrp="1" noRot="1" noChangeAspect="1"/>
+          </p:cNvSpPr>
+          <p:nvPr>
+            <p:ph type="sldImg"/>
+          </p:nvPr>
+        </p:nvSpPr>
+        <p:spPr/>
+      </p:sp>
+      <p:sp>
+        <p:nvSpPr>
+          <p:cNvPr id="3" name="Notes Placeholder 2"/>
+          <p:cNvSpPr>
+            <a:spLocks noGrp="1"/>
+          </p:cNvSpPr>
+          <p:nvPr>
+            <p:ph type="body" idx="1"/>
+          </p:nvPr>
+        </p:nvSpPr>
+        <p:spPr/>
+        <p:txBody>
+          <a:bodyPr/>
+          <a:lstStyle/>
+          <a:p>
+            <a:r>
+              <a:rPr lang="en-US" dirty="0"/>
+              <a:t>The main  challenge in this project was to translate the elimination problem into a maxflow problem. In this graph, the games of team 5 were eliminated because we assume it wins all its future games and also the games of team6 were eliminated as they are not relevant. The first layer of vertices to the right of the source represent the games between pair of teams , and the  capacity of edges to them are the number of games to between those teams. The second layer of vertices  are the individual teams . And the flow (or points) from the games between , say, teams 1 and 2 is spread between team 1 and team 2.</a:t>
+            </a:r>
+          </a:p>
+          <a:p>
+            <a:r>
+              <a:rPr lang="en-US" dirty="0"/>
+              <a:t>The last set  of edges  going to the sync represent the maximum  number of additional points each team can gain without eliminating team5</a:t>
+            </a:r>
+          </a:p>
+        </p:txBody>
+      </p:sp>
+      <p:sp>
+        <p:nvSpPr>
+          <p:cNvPr id="4" name="Slide Number Placeholder 3"/>
+          <p:cNvSpPr>
+            <a:spLocks noGrp="1"/>
+          </p:cNvSpPr>
+          <p:nvPr>
+            <p:ph type="sldNum" sz="quarter" idx="5"/>
+          </p:nvPr>
+        </p:nvSpPr>
+        <p:spPr/>
+        <p:txBody>
+          <a:bodyPr/>
+          <a:lstStyle/>
+          <a:p>
+            <a:fld id="{DF61EA0F-A667-4B49-8422-0062BC55E249}" type="slidenum">
+              <a:rPr lang="en-US" smtClean="0"/>
+              <a:t>6</a:t>
+            </a:fld>
+            <a:endParaRPr lang="en-US" dirty="0"/>
+          </a:p>
+        </p:txBody>
+      </p:sp>
+    </p:spTree>
+    <p:extLst>
+      <p:ext uri="{BB962C8B-B14F-4D97-AF65-F5344CB8AC3E}">
+        <p14:creationId xmlns:p14="http://schemas.microsoft.com/office/powerpoint/2010/main" val="1868558525"/>
+      </p:ext>
+    </p:extLst>
+  </p:cSld>
+  <p:clrMapOvr>
+    <a:masterClrMapping/>
+  </p:clrMapOvr>
+</p:notes>
+</file>
+
+<file path=ppt/notesSlides/notesSlide7.xml><?xml version="1.0" encoding="utf-8"?>
+<p:notes xmlns:a="http://schemas.openxmlformats.org/drawingml/2006/main" xmlns:r="http://schemas.openxmlformats.org/officeDocument/2006/relationships" xmlns:p="http://schemas.openxmlformats.org/presentationml/2006/main">
+  <p:cSld>
+    <p:spTree>
+      <p:nvGrpSpPr>
+        <p:cNvPr id="1" name=""/>
+        <p:cNvGrpSpPr/>
+        <p:nvPr/>
+      </p:nvGrpSpPr>
+      <p:grpSpPr>
+        <a:xfrm>
+          <a:off x="0" y="0"/>
+          <a:ext cx="0" cy="0"/>
+          <a:chOff x="0" y="0"/>
+          <a:chExt cx="0" cy="0"/>
+        </a:xfrm>
+      </p:grpSpPr>
+      <p:sp>
+        <p:nvSpPr>
+          <p:cNvPr id="2" name="Slide Image Placeholder 1"/>
+          <p:cNvSpPr>
+            <a:spLocks noGrp="1" noRot="1" noChangeAspect="1"/>
+          </p:cNvSpPr>
+          <p:nvPr>
+            <p:ph type="sldImg"/>
+          </p:nvPr>
+        </p:nvSpPr>
+        <p:spPr/>
+      </p:sp>
+      <p:sp>
+        <p:nvSpPr>
+          <p:cNvPr id="3" name="Notes Placeholder 2"/>
+          <p:cNvSpPr>
+            <a:spLocks noGrp="1"/>
+          </p:cNvSpPr>
+          <p:nvPr>
+            <p:ph type="body" idx="1"/>
+          </p:nvPr>
+        </p:nvSpPr>
+        <p:spPr/>
+        <p:txBody>
+          <a:bodyPr/>
+          <a:lstStyle/>
+          <a:p>
+            <a:r>
+              <a:rPr lang="en-US" dirty="0"/>
+              <a:t>How this is helpful ? The total number of games to be played is 27. If we can feed into s a flow of 27 it means we found a scenario in which all the remaining games are played and point are awarded but team 5  still finish first if it wins all it remaining games. It the maximum flow into s is less than 27, then  team 5  is eliminated. </a:t>
+            </a:r>
+          </a:p>
+        </p:txBody>
+      </p:sp>
+      <p:sp>
+        <p:nvSpPr>
+          <p:cNvPr id="4" name="Slide Number Placeholder 3"/>
+          <p:cNvSpPr>
+            <a:spLocks noGrp="1"/>
+          </p:cNvSpPr>
+          <p:nvPr>
+            <p:ph type="sldNum" sz="quarter" idx="5"/>
+          </p:nvPr>
+        </p:nvSpPr>
+        <p:spPr/>
+        <p:txBody>
+          <a:bodyPr/>
+          <a:lstStyle/>
+          <a:p>
+            <a:fld id="{DF61EA0F-A667-4B49-8422-0062BC55E249}" type="slidenum">
+              <a:rPr lang="en-US" smtClean="0"/>
+              <a:t>7</a:t>
+            </a:fld>
+            <a:endParaRPr lang="en-US" dirty="0"/>
+          </a:p>
+        </p:txBody>
+      </p:sp>
+    </p:spTree>
+    <p:extLst>
+      <p:ext uri="{BB962C8B-B14F-4D97-AF65-F5344CB8AC3E}">
+        <p14:creationId xmlns:p14="http://schemas.microsoft.com/office/powerpoint/2010/main" val="485212942"/>
+      </p:ext>
+    </p:extLst>
+  </p:cSld>
+  <p:clrMapOvr>
+    <a:masterClrMapping/>
+  </p:clrMapOvr>
+</p:notes>
+</file>
+
+<file path=ppt/notesSlides/notesSlide8.xml><?xml version="1.0" encoding="utf-8"?>
+<p:notes xmlns:a="http://schemas.openxmlformats.org/drawingml/2006/main" xmlns:r="http://schemas.openxmlformats.org/officeDocument/2006/relationships" xmlns:p="http://schemas.openxmlformats.org/presentationml/2006/main">
+  <p:cSld>
+    <p:spTree>
+      <p:nvGrpSpPr>
+        <p:cNvPr id="1" name=""/>
+        <p:cNvGrpSpPr/>
+        <p:nvPr/>
+      </p:nvGrpSpPr>
+      <p:grpSpPr>
+        <a:xfrm>
+          <a:off x="0" y="0"/>
+          <a:ext cx="0" cy="0"/>
+          <a:chOff x="0" y="0"/>
+          <a:chExt cx="0" cy="0"/>
+        </a:xfrm>
+      </p:grpSpPr>
+      <p:sp>
+        <p:nvSpPr>
+          <p:cNvPr id="2" name="Slide Image Placeholder 1"/>
+          <p:cNvSpPr>
+            <a:spLocks noGrp="1" noRot="1" noChangeAspect="1"/>
+          </p:cNvSpPr>
+          <p:nvPr>
+            <p:ph type="sldImg"/>
+          </p:nvPr>
+        </p:nvSpPr>
+        <p:spPr/>
+      </p:sp>
+      <p:sp>
+        <p:nvSpPr>
+          <p:cNvPr id="3" name="Notes Placeholder 2"/>
+          <p:cNvSpPr>
+            <a:spLocks noGrp="1"/>
+          </p:cNvSpPr>
+          <p:nvPr>
+            <p:ph type="body" idx="1"/>
+          </p:nvPr>
+        </p:nvSpPr>
+        <p:spPr/>
+        <p:txBody>
+          <a:bodyPr/>
+          <a:lstStyle/>
+          <a:p>
+            <a:r>
+              <a:rPr lang="en-US" dirty="0"/>
+              <a:t>So is team 5 eliminated ?  We need to solve the maxflow problem and we did it using the standard Edmund </a:t>
+            </a:r>
+            <a:r>
+              <a:rPr lang="en-US" dirty="0" err="1"/>
+              <a:t>karp</a:t>
+            </a:r>
+            <a:r>
+              <a:rPr lang="en-US" dirty="0"/>
+              <a:t> algorithm that run in polynomial time. In  our case case  the solution to the maxflow problem is 26 that is less than 27 and therefore team5  is eliminated.</a:t>
+            </a:r>
+          </a:p>
+        </p:txBody>
+      </p:sp>
+      <p:sp>
+        <p:nvSpPr>
+          <p:cNvPr id="4" name="Slide Number Placeholder 3"/>
+          <p:cNvSpPr>
+            <a:spLocks noGrp="1"/>
+          </p:cNvSpPr>
+          <p:nvPr>
+            <p:ph type="sldNum" sz="quarter" idx="5"/>
+          </p:nvPr>
+        </p:nvSpPr>
+        <p:spPr/>
+        <p:txBody>
+          <a:bodyPr/>
+          <a:lstStyle/>
+          <a:p>
+            <a:fld id="{DF61EA0F-A667-4B49-8422-0062BC55E249}" type="slidenum">
+              <a:rPr lang="en-US" smtClean="0"/>
+              <a:t>8</a:t>
+            </a:fld>
+            <a:endParaRPr lang="en-US" dirty="0"/>
+          </a:p>
+        </p:txBody>
+      </p:sp>
+    </p:spTree>
+    <p:extLst>
+      <p:ext uri="{BB962C8B-B14F-4D97-AF65-F5344CB8AC3E}">
+        <p14:creationId xmlns:p14="http://schemas.microsoft.com/office/powerpoint/2010/main" val="3038103352"/>
+      </p:ext>
+    </p:extLst>
+  </p:cSld>
+  <p:clrMapOvr>
+    <a:masterClrMapping/>
+  </p:clrMapOvr>
+</p:notes>
+</file>
+
+<file path=ppt/notesSlides/notesSlide9.xml><?xml version="1.0" encoding="utf-8"?>
+<p:notes xmlns:a="http://schemas.openxmlformats.org/drawingml/2006/main" xmlns:r="http://schemas.openxmlformats.org/officeDocument/2006/relationships" xmlns:p="http://schemas.openxmlformats.org/presentationml/2006/main">
+  <p:cSld>
+    <p:spTree>
+      <p:nvGrpSpPr>
+        <p:cNvPr id="1" name=""/>
+        <p:cNvGrpSpPr/>
+        <p:nvPr/>
+      </p:nvGrpSpPr>
+      <p:grpSpPr>
+        <a:xfrm>
+          <a:off x="0" y="0"/>
+          <a:ext cx="0" cy="0"/>
+          <a:chOff x="0" y="0"/>
+          <a:chExt cx="0" cy="0"/>
+        </a:xfrm>
+      </p:grpSpPr>
+      <p:sp>
+        <p:nvSpPr>
+          <p:cNvPr id="2" name="Slide Image Placeholder 1"/>
+          <p:cNvSpPr>
+            <a:spLocks noGrp="1" noRot="1" noChangeAspect="1"/>
+          </p:cNvSpPr>
+          <p:nvPr>
+            <p:ph type="sldImg"/>
+          </p:nvPr>
+        </p:nvSpPr>
+        <p:spPr/>
+      </p:sp>
+      <p:sp>
+        <p:nvSpPr>
+          <p:cNvPr id="3" name="Notes Placeholder 2"/>
+          <p:cNvSpPr>
+            <a:spLocks noGrp="1"/>
+          </p:cNvSpPr>
+          <p:nvPr>
+            <p:ph type="body" idx="1"/>
+          </p:nvPr>
+        </p:nvSpPr>
+        <p:spPr/>
+        <p:txBody>
+          <a:bodyPr/>
+          <a:lstStyle/>
+          <a:p>
+            <a:r>
+              <a:rPr lang="en-US" dirty="0"/>
+              <a:t>The implementation has 3 layers – the maxflow library that just solves the network flow problem using the  Edmund-</a:t>
+            </a:r>
+            <a:r>
+              <a:rPr lang="en-US" dirty="0" err="1"/>
+              <a:t>karp</a:t>
+            </a:r>
+            <a:r>
+              <a:rPr lang="en-US" dirty="0"/>
+              <a:t> algorithm, a games library that provides a useful utilities over list of games like computing the standing or    computing the maximum points a team could possibly ger. The last layer is the elimination layer that takes a team and a games files ,and for each team generate the corresponding network flow, solve the maxflow problem and determine if the team is eliminated or not.</a:t>
+            </a:r>
+          </a:p>
+        </p:txBody>
+      </p:sp>
+      <p:sp>
+        <p:nvSpPr>
+          <p:cNvPr id="4" name="Slide Number Placeholder 3"/>
+          <p:cNvSpPr>
+            <a:spLocks noGrp="1"/>
+          </p:cNvSpPr>
+          <p:nvPr>
+            <p:ph type="sldNum" sz="quarter" idx="5"/>
+          </p:nvPr>
+        </p:nvSpPr>
+        <p:spPr/>
+        <p:txBody>
+          <a:bodyPr/>
+          <a:lstStyle/>
+          <a:p>
+            <a:fld id="{DF61EA0F-A667-4B49-8422-0062BC55E249}" type="slidenum">
+              <a:rPr lang="en-US" smtClean="0"/>
+              <a:t>9</a:t>
+            </a:fld>
+            <a:endParaRPr lang="en-US" dirty="0"/>
+          </a:p>
+        </p:txBody>
+      </p:sp>
+    </p:spTree>
+    <p:extLst>
+      <p:ext uri="{BB962C8B-B14F-4D97-AF65-F5344CB8AC3E}">
+        <p14:creationId xmlns:p14="http://schemas.microsoft.com/office/powerpoint/2010/main" val="3484730841"/>
       </p:ext>
     </p:extLst>
   </p:cSld>
@@ -1217,7 +2243,7 @@
             <a:fld id="{8BEEBAAA-29B5-4AF5-BC5F-7E580C29002D}" type="datetimeFigureOut">
               <a:rPr lang="en-US" smtClean="0"/>
               <a:pPr/>
-              <a:t>4/17/2020</a:t>
+              <a:t>5/9/2020</a:t>
             </a:fld>
             <a:endParaRPr lang="en-US" dirty="0"/>
           </a:p>
@@ -1843,7 +2869,7 @@
             <a:fld id="{8BEEBAAA-29B5-4AF5-BC5F-7E580C29002D}" type="datetimeFigureOut">
               <a:rPr lang="en-US" smtClean="0"/>
               <a:pPr/>
-              <a:t>4/17/2020</a:t>
+              <a:t>5/9/2020</a:t>
             </a:fld>
             <a:endParaRPr lang="en-US" dirty="0"/>
           </a:p>
@@ -6353,6 +7379,104 @@
 </p:sld>
 </file>
 
+<file path=ppt/slides/slide12.xml><?xml version="1.0" encoding="utf-8"?>
+<p:sld xmlns:a="http://schemas.openxmlformats.org/drawingml/2006/main" xmlns:r="http://schemas.openxmlformats.org/officeDocument/2006/relationships" xmlns:p="http://schemas.openxmlformats.org/presentationml/2006/main">
+  <p:cSld>
+    <p:spTree>
+      <p:nvGrpSpPr>
+        <p:cNvPr id="1" name=""/>
+        <p:cNvGrpSpPr/>
+        <p:nvPr/>
+      </p:nvGrpSpPr>
+      <p:grpSpPr>
+        <a:xfrm>
+          <a:off x="0" y="0"/>
+          <a:ext cx="0" cy="0"/>
+          <a:chOff x="0" y="0"/>
+          <a:chExt cx="0" cy="0"/>
+        </a:xfrm>
+      </p:grpSpPr>
+      <p:sp>
+        <p:nvSpPr>
+          <p:cNvPr id="2" name="Title 1">
+            <a:extLst>
+              <a:ext uri="{FF2B5EF4-FFF2-40B4-BE49-F238E27FC236}">
+                <a16:creationId xmlns:a16="http://schemas.microsoft.com/office/drawing/2014/main" id="{C30D7B07-802D-4610-8FDB-DC41F366E1F8}"/>
+              </a:ext>
+            </a:extLst>
+          </p:cNvPr>
+          <p:cNvSpPr>
+            <a:spLocks noGrp="1"/>
+          </p:cNvSpPr>
+          <p:nvPr>
+            <p:ph type="title"/>
+          </p:nvPr>
+        </p:nvSpPr>
+        <p:spPr>
+          <a:xfrm>
+            <a:off x="3184229" y="413445"/>
+            <a:ext cx="6877119" cy="640080"/>
+          </a:xfrm>
+        </p:spPr>
+        <p:txBody>
+          <a:bodyPr/>
+          <a:lstStyle/>
+          <a:p>
+            <a:r>
+              <a:rPr lang="en-US" dirty="0"/>
+              <a:t>   Possible future  improvements    </a:t>
+            </a:r>
+          </a:p>
+        </p:txBody>
+      </p:sp>
+      <p:sp>
+        <p:nvSpPr>
+          <p:cNvPr id="5" name="TextBox 4">
+            <a:extLst>
+              <a:ext uri="{FF2B5EF4-FFF2-40B4-BE49-F238E27FC236}">
+                <a16:creationId xmlns:a16="http://schemas.microsoft.com/office/drawing/2014/main" id="{36A743D2-27A4-4E15-A074-D8DFC33C8B00}"/>
+              </a:ext>
+            </a:extLst>
+          </p:cNvPr>
+          <p:cNvSpPr txBox="1"/>
+          <p:nvPr/>
+        </p:nvSpPr>
+        <p:spPr>
+          <a:xfrm>
+            <a:off x="619125" y="1600200"/>
+            <a:ext cx="11001375" cy="646331"/>
+          </a:xfrm>
+          <a:prstGeom prst="rect">
+            <a:avLst/>
+          </a:prstGeom>
+          <a:noFill/>
+        </p:spPr>
+        <p:txBody>
+          <a:bodyPr wrap="square" rtlCol="0">
+            <a:spAutoFit/>
+          </a:bodyPr>
+          <a:lstStyle/>
+          <a:p>
+            <a:r>
+              <a:rPr lang="en-US" dirty="0"/>
+              <a:t>1)Testing is the big issue on a large-scale problem so solving the problem as a set of linear constraints with simplex could be a pragmatic way to test the maxflow solution </a:t>
+            </a:r>
+          </a:p>
+        </p:txBody>
+      </p:sp>
+    </p:spTree>
+    <p:extLst>
+      <p:ext uri="{BB962C8B-B14F-4D97-AF65-F5344CB8AC3E}">
+        <p14:creationId xmlns:p14="http://schemas.microsoft.com/office/powerpoint/2010/main" val="3295363408"/>
+      </p:ext>
+    </p:extLst>
+  </p:cSld>
+  <p:clrMapOvr>
+    <a:masterClrMapping/>
+  </p:clrMapOvr>
+</p:sld>
+</file>
+
 <file path=ppt/slides/slide2.xml><?xml version="1.0" encoding="utf-8"?>
 <p:sld xmlns:a="http://schemas.openxmlformats.org/drawingml/2006/main" xmlns:r="http://schemas.openxmlformats.org/officeDocument/2006/relationships" xmlns:p="http://schemas.openxmlformats.org/presentationml/2006/main">
   <p:cSld>
@@ -7247,14 +8371,14 @@
           <p:nvPr>
             <p:extLst>
               <p:ext uri="{D42A27DB-BD31-4B8C-83A1-F6EECF244321}">
-                <p14:modId xmlns:p14="http://schemas.microsoft.com/office/powerpoint/2010/main" val="3134982857"/>
+                <p14:modId xmlns:p14="http://schemas.microsoft.com/office/powerpoint/2010/main" val="1059043514"/>
               </p:ext>
             </p:extLst>
           </p:nvPr>
         </p:nvGraphicFramePr>
         <p:xfrm>
           <a:off x="541610" y="2432089"/>
-          <a:ext cx="8127999" cy="2219960"/>
+          <a:ext cx="7945755" cy="1818042"/>
         </p:xfrm>
         <a:graphic>
           <a:graphicData uri="http://schemas.openxmlformats.org/drawingml/2006/table">
@@ -7263,78 +8387,85 @@
                 <a:tableStyleId>{5C22544A-7EE6-4342-B048-85BDC9FD1C3A}</a:tableStyleId>
               </a:tblPr>
               <a:tblGrid>
-                <a:gridCol w="903111">
+                <a:gridCol w="812800">
                   <a:extLst>
                     <a:ext uri="{9D8B030D-6E8A-4147-A177-3AD203B41FA5}">
                       <a16:colId xmlns:a16="http://schemas.microsoft.com/office/drawing/2014/main" val="1295748320"/>
                     </a:ext>
                   </a:extLst>
                 </a:gridCol>
-                <a:gridCol w="903111">
+                <a:gridCol w="812800">
                   <a:extLst>
                     <a:ext uri="{9D8B030D-6E8A-4147-A177-3AD203B41FA5}">
                       <a16:colId xmlns:a16="http://schemas.microsoft.com/office/drawing/2014/main" val="571921552"/>
                     </a:ext>
                   </a:extLst>
                 </a:gridCol>
-                <a:gridCol w="903111">
+                <a:gridCol w="630555">
                   <a:extLst>
                     <a:ext uri="{9D8B030D-6E8A-4147-A177-3AD203B41FA5}">
                       <a16:colId xmlns:a16="http://schemas.microsoft.com/office/drawing/2014/main" val="3296742110"/>
                     </a:ext>
                   </a:extLst>
                 </a:gridCol>
-                <a:gridCol w="903111">
+                <a:gridCol w="812800">
                   <a:extLst>
                     <a:ext uri="{9D8B030D-6E8A-4147-A177-3AD203B41FA5}">
                       <a16:colId xmlns:a16="http://schemas.microsoft.com/office/drawing/2014/main" val="2599810887"/>
                     </a:ext>
                   </a:extLst>
                 </a:gridCol>
-                <a:gridCol w="903111">
+                <a:gridCol w="812800">
                   <a:extLst>
                     <a:ext uri="{9D8B030D-6E8A-4147-A177-3AD203B41FA5}">
                       <a16:colId xmlns:a16="http://schemas.microsoft.com/office/drawing/2014/main" val="1697646039"/>
                     </a:ext>
                   </a:extLst>
                 </a:gridCol>
-                <a:gridCol w="903111">
+                <a:gridCol w="812800">
                   <a:extLst>
                     <a:ext uri="{9D8B030D-6E8A-4147-A177-3AD203B41FA5}">
                       <a16:colId xmlns:a16="http://schemas.microsoft.com/office/drawing/2014/main" val="1897768502"/>
                     </a:ext>
                   </a:extLst>
                 </a:gridCol>
-                <a:gridCol w="903111">
+                <a:gridCol w="812800">
                   <a:extLst>
                     <a:ext uri="{9D8B030D-6E8A-4147-A177-3AD203B41FA5}">
                       <a16:colId xmlns:a16="http://schemas.microsoft.com/office/drawing/2014/main" val="944165401"/>
                     </a:ext>
                   </a:extLst>
                 </a:gridCol>
-                <a:gridCol w="903111">
+                <a:gridCol w="812800">
                   <a:extLst>
                     <a:ext uri="{9D8B030D-6E8A-4147-A177-3AD203B41FA5}">
                       <a16:colId xmlns:a16="http://schemas.microsoft.com/office/drawing/2014/main" val="2655965672"/>
                     </a:ext>
                   </a:extLst>
                 </a:gridCol>
-                <a:gridCol w="903111">
+                <a:gridCol w="812800">
                   <a:extLst>
                     <a:ext uri="{9D8B030D-6E8A-4147-A177-3AD203B41FA5}">
                       <a16:colId xmlns:a16="http://schemas.microsoft.com/office/drawing/2014/main" val="2140286251"/>
                     </a:ext>
                   </a:extLst>
                 </a:gridCol>
+                <a:gridCol w="812800">
+                  <a:extLst>
+                    <a:ext uri="{9D8B030D-6E8A-4147-A177-3AD203B41FA5}">
+                      <a16:colId xmlns:a16="http://schemas.microsoft.com/office/drawing/2014/main" val="3666564116"/>
+                    </a:ext>
+                  </a:extLst>
+                </a:gridCol>
               </a:tblGrid>
-              <a:tr h="226440">
-                <a:tc>
-                  <a:txBody>
-                    <a:bodyPr/>
-                    <a:lstStyle/>
-                    <a:p>
-                      <a:r>
-                        <a:rPr lang="en-US" dirty="0"/>
+              <a:tr h="172515">
+                <a:tc>
+                  <a:txBody>
+                    <a:bodyPr/>
+                    <a:lstStyle/>
+                    <a:p>
+                      <a:r>
+                        <a:rPr lang="en-US" sz="1000" dirty="0"/>
                         <a:t>Team </a:t>
                       </a:r>
                     </a:p>
@@ -7347,7 +8478,7 @@
                     <a:lstStyle/>
                     <a:p>
                       <a:r>
-                        <a:rPr lang="en-US" dirty="0"/>
+                        <a:rPr lang="en-US" sz="1000" dirty="0"/>
                         <a:t>Wins </a:t>
                       </a:r>
                     </a:p>
@@ -7360,7 +8491,7 @@
                     <a:lstStyle/>
                     <a:p>
                       <a:r>
-                        <a:rPr lang="en-US" dirty="0"/>
+                        <a:rPr lang="en-US" sz="1000" dirty="0"/>
                         <a:t>Losses </a:t>
                       </a:r>
                     </a:p>
@@ -7373,7 +8504,7 @@
                     <a:lstStyle/>
                     <a:p>
                       <a:r>
-                        <a:rPr lang="en-US" dirty="0"/>
+                        <a:rPr lang="en-US" sz="1000" dirty="0"/>
                         <a:t>Left </a:t>
                       </a:r>
                     </a:p>
@@ -7386,7 +8517,7 @@
                     <a:lstStyle/>
                     <a:p>
                       <a:r>
-                        <a:rPr lang="en-US" dirty="0"/>
+                        <a:rPr lang="en-US" sz="1000" dirty="0"/>
                         <a:t>team1</a:t>
                       </a:r>
                     </a:p>
@@ -7399,7 +8530,7 @@
                     <a:lstStyle/>
                     <a:p>
                       <a:r>
-                        <a:rPr lang="en-US" dirty="0"/>
+                        <a:rPr lang="en-US" sz="1000" dirty="0"/>
                         <a:t>team2</a:t>
                       </a:r>
                     </a:p>
@@ -7412,7 +8543,7 @@
                     <a:lstStyle/>
                     <a:p>
                       <a:r>
-                        <a:rPr lang="en-US" dirty="0"/>
+                        <a:rPr lang="en-US" sz="1000" dirty="0"/>
                         <a:t>team3</a:t>
                       </a:r>
                     </a:p>
@@ -7425,7 +8556,7 @@
                     <a:lstStyle/>
                     <a:p>
                       <a:r>
-                        <a:rPr lang="en-US" dirty="0"/>
+                        <a:rPr lang="en-US" sz="1000" dirty="0"/>
                         <a:t>team4</a:t>
                       </a:r>
                     </a:p>
@@ -7438,8 +8569,21 @@
                     <a:lstStyle/>
                     <a:p>
                       <a:r>
-                        <a:rPr lang="en-US" dirty="0"/>
+                        <a:rPr lang="en-US" sz="1000" dirty="0"/>
                         <a:t>team5</a:t>
+                      </a:r>
+                    </a:p>
+                  </a:txBody>
+                  <a:tcPr/>
+                </a:tc>
+                <a:tc>
+                  <a:txBody>
+                    <a:bodyPr/>
+                    <a:lstStyle/>
+                    <a:p>
+                      <a:r>
+                        <a:rPr lang="en-US" sz="1000" dirty="0"/>
+                        <a:t>team6</a:t>
                       </a:r>
                     </a:p>
                   </a:txBody>
@@ -7451,14 +8595,14 @@
                   </a:ext>
                 </a:extLst>
               </a:tr>
-              <a:tr h="370840">
-                <a:tc>
-                  <a:txBody>
-                    <a:bodyPr/>
-                    <a:lstStyle/>
-                    <a:p>
-                      <a:r>
-                        <a:rPr lang="en-US" dirty="0"/>
+              <a:tr h="262367">
+                <a:tc>
+                  <a:txBody>
+                    <a:bodyPr/>
+                    <a:lstStyle/>
+                    <a:p>
+                      <a:r>
+                        <a:rPr lang="en-US" sz="1000" dirty="0"/>
                         <a:t>team1</a:t>
                       </a:r>
                     </a:p>
@@ -7471,7 +8615,7 @@
                     <a:lstStyle/>
                     <a:p>
                       <a:r>
-                        <a:rPr lang="en-US" dirty="0"/>
+                        <a:rPr lang="en-US" sz="1000" dirty="0"/>
                         <a:t>75</a:t>
                       </a:r>
                     </a:p>
@@ -7484,7 +8628,7 @@
                     <a:lstStyle/>
                     <a:p>
                       <a:r>
-                        <a:rPr lang="en-US" dirty="0"/>
+                        <a:rPr lang="en-US" sz="1000" dirty="0"/>
                         <a:t>59</a:t>
                       </a:r>
                     </a:p>
@@ -7497,7 +8641,7 @@
                     <a:lstStyle/>
                     <a:p>
                       <a:r>
-                        <a:rPr lang="en-US" dirty="0"/>
+                        <a:rPr lang="en-US" sz="1000" dirty="0"/>
                         <a:t>21</a:t>
                       </a:r>
                     </a:p>
@@ -7510,7 +8654,7 @@
                     <a:lstStyle/>
                     <a:p>
                       <a:r>
-                        <a:rPr lang="en-US" dirty="0"/>
+                        <a:rPr lang="en-US" sz="1000" dirty="0"/>
                         <a:t>-</a:t>
                       </a:r>
                     </a:p>
@@ -7523,7 +8667,7 @@
                     <a:lstStyle/>
                     <a:p>
                       <a:r>
-                        <a:rPr lang="en-US" dirty="0"/>
+                        <a:rPr lang="en-US" sz="1000" dirty="0"/>
                         <a:t>3</a:t>
                       </a:r>
                     </a:p>
@@ -7536,7 +8680,7 @@
                     <a:lstStyle/>
                     <a:p>
                       <a:r>
-                        <a:rPr lang="en-US" dirty="0"/>
+                        <a:rPr lang="en-US" sz="1000" dirty="0"/>
                         <a:t>8</a:t>
                       </a:r>
                     </a:p>
@@ -7549,7 +8693,7 @@
                     <a:lstStyle/>
                     <a:p>
                       <a:r>
-                        <a:rPr lang="en-US" dirty="0"/>
+                        <a:rPr lang="en-US" sz="1000" dirty="0"/>
                         <a:t>7</a:t>
                       </a:r>
                     </a:p>
@@ -7562,8 +8706,21 @@
                     <a:lstStyle/>
                     <a:p>
                       <a:r>
-                        <a:rPr lang="en-US" dirty="0"/>
+                        <a:rPr lang="en-US" sz="1000" dirty="0"/>
                         <a:t>3</a:t>
+                      </a:r>
+                    </a:p>
+                  </a:txBody>
+                  <a:tcPr/>
+                </a:tc>
+                <a:tc>
+                  <a:txBody>
+                    <a:bodyPr/>
+                    <a:lstStyle/>
+                    <a:p>
+                      <a:r>
+                        <a:rPr lang="en-US" sz="1000" dirty="0"/>
+                        <a:t>-</a:t>
                       </a:r>
                     </a:p>
                   </a:txBody>
@@ -7575,14 +8732,14 @@
                   </a:ext>
                 </a:extLst>
               </a:tr>
-              <a:tr h="370840">
-                <a:tc>
-                  <a:txBody>
-                    <a:bodyPr/>
-                    <a:lstStyle/>
-                    <a:p>
-                      <a:r>
-                        <a:rPr lang="en-US" dirty="0"/>
+              <a:tr h="262367">
+                <a:tc>
+                  <a:txBody>
+                    <a:bodyPr/>
+                    <a:lstStyle/>
+                    <a:p>
+                      <a:r>
+                        <a:rPr lang="en-US" sz="1000" dirty="0"/>
                         <a:t>team2</a:t>
                       </a:r>
                     </a:p>
@@ -7595,7 +8752,7 @@
                     <a:lstStyle/>
                     <a:p>
                       <a:r>
-                        <a:rPr lang="en-US" dirty="0"/>
+                        <a:rPr lang="en-US" sz="1000" dirty="0"/>
                         <a:t>71</a:t>
                       </a:r>
                     </a:p>
@@ -7608,7 +8765,7 @@
                     <a:lstStyle/>
                     <a:p>
                       <a:r>
-                        <a:rPr lang="en-US" dirty="0"/>
+                        <a:rPr lang="en-US" sz="1000" dirty="0"/>
                         <a:t>63</a:t>
                       </a:r>
                     </a:p>
@@ -7621,7 +8778,7 @@
                     <a:lstStyle/>
                     <a:p>
                       <a:r>
-                        <a:rPr lang="en-US" dirty="0"/>
+                        <a:rPr lang="en-US" sz="1000" dirty="0"/>
                         <a:t>14</a:t>
                       </a:r>
                     </a:p>
@@ -7634,7 +8791,7 @@
                     <a:lstStyle/>
                     <a:p>
                       <a:r>
-                        <a:rPr lang="en-US" dirty="0"/>
+                        <a:rPr lang="en-US" sz="1000" dirty="0"/>
                         <a:t>3</a:t>
                       </a:r>
                     </a:p>
@@ -7647,7 +8804,7 @@
                     <a:lstStyle/>
                     <a:p>
                       <a:r>
-                        <a:rPr lang="en-US" dirty="0"/>
+                        <a:rPr lang="en-US" sz="1000" dirty="0"/>
                         <a:t>-</a:t>
                       </a:r>
                     </a:p>
@@ -7660,7 +8817,7 @@
                     <a:lstStyle/>
                     <a:p>
                       <a:r>
-                        <a:rPr lang="en-US" dirty="0"/>
+                        <a:rPr lang="en-US" sz="1000" dirty="0"/>
                         <a:t>2</a:t>
                       </a:r>
                     </a:p>
@@ -7673,7 +8830,7 @@
                     <a:lstStyle/>
                     <a:p>
                       <a:r>
-                        <a:rPr lang="en-US" dirty="0"/>
+                        <a:rPr lang="en-US" sz="1000" dirty="0"/>
                         <a:t>7</a:t>
                       </a:r>
                     </a:p>
@@ -7686,8 +8843,21 @@
                     <a:lstStyle/>
                     <a:p>
                       <a:r>
-                        <a:rPr lang="en-US" dirty="0"/>
+                        <a:rPr lang="en-US" sz="1000" dirty="0"/>
                         <a:t>4</a:t>
+                      </a:r>
+                    </a:p>
+                  </a:txBody>
+                  <a:tcPr/>
+                </a:tc>
+                <a:tc>
+                  <a:txBody>
+                    <a:bodyPr/>
+                    <a:lstStyle/>
+                    <a:p>
+                      <a:r>
+                        <a:rPr lang="en-US" sz="1000" dirty="0"/>
+                        <a:t>-</a:t>
                       </a:r>
                     </a:p>
                   </a:txBody>
@@ -7699,14 +8869,14 @@
                   </a:ext>
                 </a:extLst>
               </a:tr>
-              <a:tr h="370840">
-                <a:tc>
-                  <a:txBody>
-                    <a:bodyPr/>
-                    <a:lstStyle/>
-                    <a:p>
-                      <a:r>
-                        <a:rPr lang="en-US" dirty="0"/>
+              <a:tr h="262367">
+                <a:tc>
+                  <a:txBody>
+                    <a:bodyPr/>
+                    <a:lstStyle/>
+                    <a:p>
+                      <a:r>
+                        <a:rPr lang="en-US" sz="1000" dirty="0"/>
                         <a:t>team3</a:t>
                       </a:r>
                     </a:p>
@@ -7719,7 +8889,7 @@
                     <a:lstStyle/>
                     <a:p>
                       <a:r>
-                        <a:rPr lang="en-US" dirty="0"/>
+                        <a:rPr lang="en-US" sz="1000" dirty="0"/>
                         <a:t>69</a:t>
                       </a:r>
                     </a:p>
@@ -7732,7 +8902,7 @@
                     <a:lstStyle/>
                     <a:p>
                       <a:r>
-                        <a:rPr lang="en-US" dirty="0"/>
+                        <a:rPr lang="en-US" sz="1000" dirty="0"/>
                         <a:t>66</a:t>
                       </a:r>
                     </a:p>
@@ -7745,7 +8915,7 @@
                     <a:lstStyle/>
                     <a:p>
                       <a:r>
-                        <a:rPr lang="en-US" dirty="0"/>
+                        <a:rPr lang="en-US" sz="1000" dirty="0"/>
                         <a:t>10</a:t>
                       </a:r>
                     </a:p>
@@ -7758,7 +8928,7 @@
                     <a:lstStyle/>
                     <a:p>
                       <a:r>
-                        <a:rPr lang="en-US" dirty="0"/>
+                        <a:rPr lang="en-US" sz="1000" dirty="0"/>
                         <a:t>8</a:t>
                       </a:r>
                     </a:p>
@@ -7771,7 +8941,7 @@
                     <a:lstStyle/>
                     <a:p>
                       <a:r>
-                        <a:rPr lang="en-US" dirty="0"/>
+                        <a:rPr lang="en-US" sz="1000" dirty="0"/>
                         <a:t>2</a:t>
                       </a:r>
                     </a:p>
@@ -7784,7 +8954,7 @@
                     <a:lstStyle/>
                     <a:p>
                       <a:r>
-                        <a:rPr lang="en-US" dirty="0"/>
+                        <a:rPr lang="en-US" sz="1000" dirty="0"/>
                         <a:t>-</a:t>
                       </a:r>
                     </a:p>
@@ -7797,7 +8967,7 @@
                     <a:lstStyle/>
                     <a:p>
                       <a:r>
-                        <a:rPr lang="en-US" dirty="0"/>
+                        <a:rPr lang="en-US" sz="1000" dirty="0"/>
                         <a:t>-</a:t>
                       </a:r>
                     </a:p>
@@ -7810,7 +8980,20 @@
                     <a:lstStyle/>
                     <a:p>
                       <a:r>
-                        <a:rPr lang="en-US" dirty="0"/>
+                        <a:rPr lang="en-US" sz="1000" dirty="0"/>
+                        <a:t>-</a:t>
+                      </a:r>
+                    </a:p>
+                  </a:txBody>
+                  <a:tcPr/>
+                </a:tc>
+                <a:tc>
+                  <a:txBody>
+                    <a:bodyPr/>
+                    <a:lstStyle/>
+                    <a:p>
+                      <a:r>
+                        <a:rPr lang="en-US" sz="1000" dirty="0"/>
                         <a:t>-</a:t>
                       </a:r>
                     </a:p>
@@ -7823,14 +9006,14 @@
                   </a:ext>
                 </a:extLst>
               </a:tr>
-              <a:tr h="370840">
-                <a:tc>
-                  <a:txBody>
-                    <a:bodyPr/>
-                    <a:lstStyle/>
-                    <a:p>
-                      <a:r>
-                        <a:rPr lang="en-US" dirty="0"/>
+              <a:tr h="262367">
+                <a:tc>
+                  <a:txBody>
+                    <a:bodyPr/>
+                    <a:lstStyle/>
+                    <a:p>
+                      <a:r>
+                        <a:rPr lang="en-US" sz="1000" dirty="0"/>
                         <a:t>team4</a:t>
                       </a:r>
                     </a:p>
@@ -7843,7 +9026,7 @@
                     <a:lstStyle/>
                     <a:p>
                       <a:r>
-                        <a:rPr lang="en-US" dirty="0"/>
+                        <a:rPr lang="en-US" sz="1000" dirty="0"/>
                         <a:t>63</a:t>
                       </a:r>
                     </a:p>
@@ -7856,7 +9039,7 @@
                     <a:lstStyle/>
                     <a:p>
                       <a:r>
-                        <a:rPr lang="en-US" dirty="0"/>
+                        <a:rPr lang="en-US" sz="1000" dirty="0"/>
                         <a:t>72</a:t>
                       </a:r>
                     </a:p>
@@ -7869,7 +9052,7 @@
                     <a:lstStyle/>
                     <a:p>
                       <a:r>
-                        <a:rPr lang="en-US" dirty="0"/>
+                        <a:rPr lang="en-US" sz="1000" dirty="0"/>
                         <a:t>14</a:t>
                       </a:r>
                     </a:p>
@@ -7882,7 +9065,7 @@
                     <a:lstStyle/>
                     <a:p>
                       <a:r>
-                        <a:rPr lang="en-US" dirty="0"/>
+                        <a:rPr lang="en-US" sz="1000" dirty="0"/>
                         <a:t>7</a:t>
                       </a:r>
                     </a:p>
@@ -7895,7 +9078,7 @@
                     <a:lstStyle/>
                     <a:p>
                       <a:r>
-                        <a:rPr lang="en-US" dirty="0"/>
+                        <a:rPr lang="en-US" sz="1000" dirty="0"/>
                         <a:t>7</a:t>
                       </a:r>
                     </a:p>
@@ -7908,7 +9091,7 @@
                     <a:lstStyle/>
                     <a:p>
                       <a:r>
-                        <a:rPr lang="en-US" dirty="0"/>
+                        <a:rPr lang="en-US" sz="1000" dirty="0"/>
                         <a:t>-</a:t>
                       </a:r>
                     </a:p>
@@ -7921,7 +9104,7 @@
                     <a:lstStyle/>
                     <a:p>
                       <a:r>
-                        <a:rPr lang="en-US" dirty="0"/>
+                        <a:rPr lang="en-US" sz="1000" dirty="0"/>
                         <a:t>-</a:t>
                       </a:r>
                     </a:p>
@@ -7934,7 +9117,20 @@
                     <a:lstStyle/>
                     <a:p>
                       <a:r>
-                        <a:rPr lang="en-US" dirty="0"/>
+                        <a:rPr lang="en-US" sz="1000" dirty="0"/>
+                        <a:t>-</a:t>
+                      </a:r>
+                    </a:p>
+                  </a:txBody>
+                  <a:tcPr/>
+                </a:tc>
+                <a:tc>
+                  <a:txBody>
+                    <a:bodyPr/>
+                    <a:lstStyle/>
+                    <a:p>
+                      <a:r>
+                        <a:rPr lang="en-US" sz="1000" dirty="0"/>
                         <a:t>-</a:t>
                       </a:r>
                     </a:p>
@@ -7947,14 +9143,14 @@
                   </a:ext>
                 </a:extLst>
               </a:tr>
-              <a:tr h="370840">
-                <a:tc>
-                  <a:txBody>
-                    <a:bodyPr/>
-                    <a:lstStyle/>
-                    <a:p>
-                      <a:r>
-                        <a:rPr lang="en-US" dirty="0"/>
+              <a:tr h="262367">
+                <a:tc>
+                  <a:txBody>
+                    <a:bodyPr/>
+                    <a:lstStyle/>
+                    <a:p>
+                      <a:r>
+                        <a:rPr lang="en-US" sz="1000" dirty="0"/>
                         <a:t>team5</a:t>
                       </a:r>
                     </a:p>
@@ -7967,7 +9163,7 @@
                     <a:lstStyle/>
                     <a:p>
                       <a:r>
-                        <a:rPr lang="en-US" dirty="0"/>
+                        <a:rPr lang="en-US" sz="1000" dirty="0"/>
                         <a:t>49</a:t>
                       </a:r>
                     </a:p>
@@ -7980,7 +9176,7 @@
                     <a:lstStyle/>
                     <a:p>
                       <a:r>
-                        <a:rPr lang="en-US" dirty="0"/>
+                        <a:rPr lang="en-US" sz="1000" dirty="0"/>
                         <a:t>86</a:t>
                       </a:r>
                     </a:p>
@@ -7993,20 +9189,20 @@
                     <a:lstStyle/>
                     <a:p>
                       <a:r>
-                        <a:rPr lang="en-US" dirty="0"/>
-                        <a:t>7</a:t>
-                      </a:r>
-                    </a:p>
-                  </a:txBody>
-                  <a:tcPr/>
-                </a:tc>
-                <a:tc>
-                  <a:txBody>
-                    <a:bodyPr/>
-                    <a:lstStyle/>
-                    <a:p>
-                      <a:r>
-                        <a:rPr lang="en-US" dirty="0"/>
+                        <a:rPr lang="en-US" sz="1000" dirty="0"/>
+                        <a:t>27</a:t>
+                      </a:r>
+                    </a:p>
+                  </a:txBody>
+                  <a:tcPr/>
+                </a:tc>
+                <a:tc>
+                  <a:txBody>
+                    <a:bodyPr/>
+                    <a:lstStyle/>
+                    <a:p>
+                      <a:r>
+                        <a:rPr lang="en-US" sz="1000" dirty="0"/>
                         <a:t>3</a:t>
                       </a:r>
                     </a:p>
@@ -8019,7 +9215,7 @@
                     <a:lstStyle/>
                     <a:p>
                       <a:r>
-                        <a:rPr lang="en-US" dirty="0"/>
+                        <a:rPr lang="en-US" sz="1000" dirty="0"/>
                         <a:t>4</a:t>
                       </a:r>
                     </a:p>
@@ -8032,7 +9228,7 @@
                     <a:lstStyle/>
                     <a:p>
                       <a:r>
-                        <a:rPr lang="en-US" dirty="0"/>
+                        <a:rPr lang="en-US" sz="1000" dirty="0"/>
                         <a:t>-</a:t>
                       </a:r>
                     </a:p>
@@ -8045,7 +9241,7 @@
                     <a:lstStyle/>
                     <a:p>
                       <a:r>
-                        <a:rPr lang="en-US" dirty="0"/>
+                        <a:rPr lang="en-US" sz="1000" dirty="0"/>
                         <a:t>-</a:t>
                       </a:r>
                     </a:p>
@@ -8058,8 +9254,21 @@
                     <a:lstStyle/>
                     <a:p>
                       <a:r>
-                        <a:rPr lang="en-US" dirty="0"/>
+                        <a:rPr lang="en-US" sz="1000" dirty="0"/>
                         <a:t>-</a:t>
+                      </a:r>
+                    </a:p>
+                  </a:txBody>
+                  <a:tcPr/>
+                </a:tc>
+                <a:tc>
+                  <a:txBody>
+                    <a:bodyPr/>
+                    <a:lstStyle/>
+                    <a:p>
+                      <a:r>
+                        <a:rPr lang="en-US" sz="1000" dirty="0"/>
+                        <a:t>10</a:t>
                       </a:r>
                     </a:p>
                   </a:txBody>
@@ -8068,6 +9277,143 @@
                 <a:extLst>
                   <a:ext uri="{0D108BD9-81ED-4DB2-BD59-A6C34878D82A}">
                     <a16:rowId xmlns:a16="http://schemas.microsoft.com/office/drawing/2014/main" val="949276029"/>
+                  </a:ext>
+                </a:extLst>
+              </a:tr>
+              <a:tr h="262367">
+                <a:tc>
+                  <a:txBody>
+                    <a:bodyPr/>
+                    <a:lstStyle/>
+                    <a:p>
+                      <a:r>
+                        <a:rPr lang="en-US" sz="1000" dirty="0"/>
+                        <a:t>team6</a:t>
+                      </a:r>
+                    </a:p>
+                  </a:txBody>
+                  <a:tcPr/>
+                </a:tc>
+                <a:tc>
+                  <a:txBody>
+                    <a:bodyPr/>
+                    <a:lstStyle/>
+                    <a:p>
+                      <a:r>
+                        <a:rPr lang="en-US" sz="1000" dirty="0"/>
+                        <a:t>10</a:t>
+                      </a:r>
+                    </a:p>
+                  </a:txBody>
+                  <a:tcPr/>
+                </a:tc>
+                <a:tc>
+                  <a:txBody>
+                    <a:bodyPr/>
+                    <a:lstStyle/>
+                    <a:p>
+                      <a:r>
+                        <a:rPr lang="en-US" sz="1000" dirty="0"/>
+                        <a:t>134</a:t>
+                      </a:r>
+                    </a:p>
+                  </a:txBody>
+                  <a:tcPr/>
+                </a:tc>
+                <a:tc>
+                  <a:txBody>
+                    <a:bodyPr/>
+                    <a:lstStyle/>
+                    <a:p>
+                      <a:r>
+                        <a:rPr lang="en-US" sz="1000" dirty="0"/>
+                        <a:t>10</a:t>
+                      </a:r>
+                    </a:p>
+                  </a:txBody>
+                  <a:tcPr/>
+                </a:tc>
+                <a:tc>
+                  <a:txBody>
+                    <a:bodyPr/>
+                    <a:lstStyle/>
+                    <a:p>
+                      <a:r>
+                        <a:rPr lang="en-US" sz="1000" dirty="0"/>
+                        <a:t>-</a:t>
+                      </a:r>
+                    </a:p>
+                  </a:txBody>
+                  <a:tcPr/>
+                </a:tc>
+                <a:tc>
+                  <a:txBody>
+                    <a:bodyPr/>
+                    <a:lstStyle/>
+                    <a:p>
+                      <a:r>
+                        <a:rPr lang="en-US" sz="1000" dirty="0"/>
+                        <a:t>-</a:t>
+                      </a:r>
+                    </a:p>
+                  </a:txBody>
+                  <a:tcPr/>
+                </a:tc>
+                <a:tc>
+                  <a:txBody>
+                    <a:bodyPr/>
+                    <a:lstStyle/>
+                    <a:p>
+                      <a:r>
+                        <a:rPr lang="en-US" sz="1000" dirty="0"/>
+                        <a:t>-</a:t>
+                      </a:r>
+                    </a:p>
+                  </a:txBody>
+                  <a:tcPr/>
+                </a:tc>
+                <a:tc>
+                  <a:txBody>
+                    <a:bodyPr/>
+                    <a:lstStyle/>
+                    <a:p>
+                      <a:r>
+                        <a:rPr lang="en-US" sz="1000" dirty="0"/>
+                        <a:t>-</a:t>
+                      </a:r>
+                    </a:p>
+                  </a:txBody>
+                  <a:tcPr/>
+                </a:tc>
+                <a:tc>
+                  <a:txBody>
+                    <a:bodyPr/>
+                    <a:lstStyle/>
+                    <a:p>
+                      <a:r>
+                        <a:rPr lang="en-US" sz="1000" dirty="0"/>
+                        <a:t>10</a:t>
+                      </a:r>
+                    </a:p>
+                  </a:txBody>
+                  <a:tcPr/>
+                </a:tc>
+                <a:tc>
+                  <a:txBody>
+                    <a:bodyPr/>
+                    <a:lstStyle/>
+                    <a:p>
+                      <a:r>
+                        <a:rPr lang="en-US" sz="1000" dirty="0"/>
+                        <a:t>-</a:t>
+                      </a:r>
+                    </a:p>
+                  </a:txBody>
+                  <a:tcPr/>
+                </a:tc>
+                <a:extLst>
+                  <a:ext uri="{0D108BD9-81ED-4DB2-BD59-A6C34878D82A}">
+                    <a16:rowId xmlns:a16="http://schemas.microsoft.com/office/drawing/2014/main" val="2301816214"/>
                   </a:ext>
                 </a:extLst>
               </a:tr>
@@ -8159,7 +9505,7 @@
         </p:nvSpPr>
         <p:spPr>
           <a:xfrm>
-            <a:off x="645951" y="5025006"/>
+            <a:off x="340442" y="5582020"/>
             <a:ext cx="11132191" cy="646331"/>
           </a:xfrm>
           <a:prstGeom prst="rect">
@@ -8450,7 +9796,7 @@
           <p:nvPr/>
         </p:nvPicPr>
         <p:blipFill>
-          <a:blip r:embed="rId2"/>
+          <a:blip r:embed="rId3"/>
           <a:stretch>
             <a:fillRect/>
           </a:stretch>
@@ -8820,849 +10166,6 @@
           </a:p>
         </p:txBody>
       </p:sp>
-      <p:graphicFrame>
-        <p:nvGraphicFramePr>
-          <p:cNvPr id="15" name="Table 3">
-            <a:extLst>
-              <a:ext uri="{FF2B5EF4-FFF2-40B4-BE49-F238E27FC236}">
-                <a16:creationId xmlns:a16="http://schemas.microsoft.com/office/drawing/2014/main" id="{8DF095BD-4029-49BD-BF0D-B1BD878915E3}"/>
-              </a:ext>
-            </a:extLst>
-          </p:cNvPr>
-          <p:cNvGraphicFramePr>
-            <a:graphicFrameLocks noGrp="1"/>
-          </p:cNvGraphicFramePr>
-          <p:nvPr>
-            <p:extLst>
-              <p:ext uri="{D42A27DB-BD31-4B8C-83A1-F6EECF244321}">
-                <p14:modId xmlns:p14="http://schemas.microsoft.com/office/powerpoint/2010/main" val="1661494945"/>
-              </p:ext>
-            </p:extLst>
-          </p:nvPr>
-        </p:nvGraphicFramePr>
-        <p:xfrm>
-          <a:off x="541610" y="1224242"/>
-          <a:ext cx="6845281" cy="1419955"/>
-        </p:xfrm>
-        <a:graphic>
-          <a:graphicData uri="http://schemas.openxmlformats.org/drawingml/2006/table">
-            <a:tbl>
-              <a:tblPr firstRow="1" bandRow="1">
-                <a:tableStyleId>{5C22544A-7EE6-4342-B048-85BDC9FD1C3A}</a:tableStyleId>
-              </a:tblPr>
-              <a:tblGrid>
-                <a:gridCol w="646811">
-                  <a:extLst>
-                    <a:ext uri="{9D8B030D-6E8A-4147-A177-3AD203B41FA5}">
-                      <a16:colId xmlns:a16="http://schemas.microsoft.com/office/drawing/2014/main" val="1295748320"/>
-                    </a:ext>
-                  </a:extLst>
-                </a:gridCol>
-                <a:gridCol w="789148">
-                  <a:extLst>
-                    <a:ext uri="{9D8B030D-6E8A-4147-A177-3AD203B41FA5}">
-                      <a16:colId xmlns:a16="http://schemas.microsoft.com/office/drawing/2014/main" val="571921552"/>
-                    </a:ext>
-                  </a:extLst>
-                </a:gridCol>
-                <a:gridCol w="789148">
-                  <a:extLst>
-                    <a:ext uri="{9D8B030D-6E8A-4147-A177-3AD203B41FA5}">
-                      <a16:colId xmlns:a16="http://schemas.microsoft.com/office/drawing/2014/main" val="3296742110"/>
-                    </a:ext>
-                  </a:extLst>
-                </a:gridCol>
-                <a:gridCol w="789148">
-                  <a:extLst>
-                    <a:ext uri="{9D8B030D-6E8A-4147-A177-3AD203B41FA5}">
-                      <a16:colId xmlns:a16="http://schemas.microsoft.com/office/drawing/2014/main" val="2599810887"/>
-                    </a:ext>
-                  </a:extLst>
-                </a:gridCol>
-                <a:gridCol w="789148">
-                  <a:extLst>
-                    <a:ext uri="{9D8B030D-6E8A-4147-A177-3AD203B41FA5}">
-                      <a16:colId xmlns:a16="http://schemas.microsoft.com/office/drawing/2014/main" val="1697646039"/>
-                    </a:ext>
-                  </a:extLst>
-                </a:gridCol>
-                <a:gridCol w="789148">
-                  <a:extLst>
-                    <a:ext uri="{9D8B030D-6E8A-4147-A177-3AD203B41FA5}">
-                      <a16:colId xmlns:a16="http://schemas.microsoft.com/office/drawing/2014/main" val="1897768502"/>
-                    </a:ext>
-                  </a:extLst>
-                </a:gridCol>
-                <a:gridCol w="789148">
-                  <a:extLst>
-                    <a:ext uri="{9D8B030D-6E8A-4147-A177-3AD203B41FA5}">
-                      <a16:colId xmlns:a16="http://schemas.microsoft.com/office/drawing/2014/main" val="944165401"/>
-                    </a:ext>
-                  </a:extLst>
-                </a:gridCol>
-                <a:gridCol w="674434">
-                  <a:extLst>
-                    <a:ext uri="{9D8B030D-6E8A-4147-A177-3AD203B41FA5}">
-                      <a16:colId xmlns:a16="http://schemas.microsoft.com/office/drawing/2014/main" val="2655965672"/>
-                    </a:ext>
-                  </a:extLst>
-                </a:gridCol>
-                <a:gridCol w="789148">
-                  <a:extLst>
-                    <a:ext uri="{9D8B030D-6E8A-4147-A177-3AD203B41FA5}">
-                      <a16:colId xmlns:a16="http://schemas.microsoft.com/office/drawing/2014/main" val="2140286251"/>
-                    </a:ext>
-                  </a:extLst>
-                </a:gridCol>
-              </a:tblGrid>
-              <a:tr h="229127">
-                <a:tc>
-                  <a:txBody>
-                    <a:bodyPr/>
-                    <a:lstStyle/>
-                    <a:p>
-                      <a:r>
-                        <a:rPr lang="en-US" sz="1200" dirty="0"/>
-                        <a:t>Team </a:t>
-                      </a:r>
-                    </a:p>
-                  </a:txBody>
-                  <a:tcPr/>
-                </a:tc>
-                <a:tc>
-                  <a:txBody>
-                    <a:bodyPr/>
-                    <a:lstStyle/>
-                    <a:p>
-                      <a:r>
-                        <a:rPr lang="en-US" sz="1200" dirty="0"/>
-                        <a:t>Wins </a:t>
-                      </a:r>
-                    </a:p>
-                  </a:txBody>
-                  <a:tcPr/>
-                </a:tc>
-                <a:tc>
-                  <a:txBody>
-                    <a:bodyPr/>
-                    <a:lstStyle/>
-                    <a:p>
-                      <a:r>
-                        <a:rPr lang="en-US" sz="1200" dirty="0"/>
-                        <a:t>Losses </a:t>
-                      </a:r>
-                    </a:p>
-                  </a:txBody>
-                  <a:tcPr/>
-                </a:tc>
-                <a:tc>
-                  <a:txBody>
-                    <a:bodyPr/>
-                    <a:lstStyle/>
-                    <a:p>
-                      <a:r>
-                        <a:rPr lang="en-US" sz="1200" dirty="0"/>
-                        <a:t>Left </a:t>
-                      </a:r>
-                    </a:p>
-                  </a:txBody>
-                  <a:tcPr/>
-                </a:tc>
-                <a:tc>
-                  <a:txBody>
-                    <a:bodyPr/>
-                    <a:lstStyle/>
-                    <a:p>
-                      <a:r>
-                        <a:rPr lang="en-US" sz="1200" dirty="0"/>
-                        <a:t>team1</a:t>
-                      </a:r>
-                    </a:p>
-                  </a:txBody>
-                  <a:tcPr/>
-                </a:tc>
-                <a:tc>
-                  <a:txBody>
-                    <a:bodyPr/>
-                    <a:lstStyle/>
-                    <a:p>
-                      <a:r>
-                        <a:rPr lang="en-US" sz="1200" dirty="0"/>
-                        <a:t>team2</a:t>
-                      </a:r>
-                    </a:p>
-                  </a:txBody>
-                  <a:tcPr/>
-                </a:tc>
-                <a:tc>
-                  <a:txBody>
-                    <a:bodyPr/>
-                    <a:lstStyle/>
-                    <a:p>
-                      <a:r>
-                        <a:rPr lang="en-US" sz="1200" dirty="0"/>
-                        <a:t>team3</a:t>
-                      </a:r>
-                    </a:p>
-                  </a:txBody>
-                  <a:tcPr/>
-                </a:tc>
-                <a:tc>
-                  <a:txBody>
-                    <a:bodyPr/>
-                    <a:lstStyle/>
-                    <a:p>
-                      <a:r>
-                        <a:rPr lang="en-US" sz="1200" dirty="0"/>
-                        <a:t>team4</a:t>
-                      </a:r>
-                    </a:p>
-                  </a:txBody>
-                  <a:tcPr/>
-                </a:tc>
-                <a:tc>
-                  <a:txBody>
-                    <a:bodyPr/>
-                    <a:lstStyle/>
-                    <a:p>
-                      <a:r>
-                        <a:rPr lang="en-US" sz="1200" dirty="0"/>
-                        <a:t>team5</a:t>
-                      </a:r>
-                    </a:p>
-                  </a:txBody>
-                  <a:tcPr/>
-                </a:tc>
-                <a:extLst>
-                  <a:ext uri="{0D108BD9-81ED-4DB2-BD59-A6C34878D82A}">
-                    <a16:rowId xmlns:a16="http://schemas.microsoft.com/office/drawing/2014/main" val="2509233549"/>
-                  </a:ext>
-                </a:extLst>
-              </a:tr>
-              <a:tr h="229127">
-                <a:tc>
-                  <a:txBody>
-                    <a:bodyPr/>
-                    <a:lstStyle/>
-                    <a:p>
-                      <a:r>
-                        <a:rPr lang="en-US" sz="900" dirty="0"/>
-                        <a:t>team1</a:t>
-                      </a:r>
-                    </a:p>
-                  </a:txBody>
-                  <a:tcPr/>
-                </a:tc>
-                <a:tc>
-                  <a:txBody>
-                    <a:bodyPr/>
-                    <a:lstStyle/>
-                    <a:p>
-                      <a:r>
-                        <a:rPr lang="en-US" sz="900" dirty="0"/>
-                        <a:t>75</a:t>
-                      </a:r>
-                    </a:p>
-                  </a:txBody>
-                  <a:tcPr/>
-                </a:tc>
-                <a:tc>
-                  <a:txBody>
-                    <a:bodyPr/>
-                    <a:lstStyle/>
-                    <a:p>
-                      <a:r>
-                        <a:rPr lang="en-US" sz="900" dirty="0"/>
-                        <a:t>59</a:t>
-                      </a:r>
-                    </a:p>
-                  </a:txBody>
-                  <a:tcPr/>
-                </a:tc>
-                <a:tc>
-                  <a:txBody>
-                    <a:bodyPr/>
-                    <a:lstStyle/>
-                    <a:p>
-                      <a:r>
-                        <a:rPr lang="en-US" sz="900" dirty="0"/>
-                        <a:t>21</a:t>
-                      </a:r>
-                    </a:p>
-                  </a:txBody>
-                  <a:tcPr/>
-                </a:tc>
-                <a:tc>
-                  <a:txBody>
-                    <a:bodyPr/>
-                    <a:lstStyle/>
-                    <a:p>
-                      <a:r>
-                        <a:rPr lang="en-US" sz="900" dirty="0"/>
-                        <a:t>-</a:t>
-                      </a:r>
-                    </a:p>
-                  </a:txBody>
-                  <a:tcPr/>
-                </a:tc>
-                <a:tc>
-                  <a:txBody>
-                    <a:bodyPr/>
-                    <a:lstStyle/>
-                    <a:p>
-                      <a:r>
-                        <a:rPr lang="en-US" sz="900" dirty="0"/>
-                        <a:t>3</a:t>
-                      </a:r>
-                    </a:p>
-                  </a:txBody>
-                  <a:tcPr/>
-                </a:tc>
-                <a:tc>
-                  <a:txBody>
-                    <a:bodyPr/>
-                    <a:lstStyle/>
-                    <a:p>
-                      <a:r>
-                        <a:rPr lang="en-US" sz="900" dirty="0"/>
-                        <a:t>8</a:t>
-                      </a:r>
-                    </a:p>
-                  </a:txBody>
-                  <a:tcPr/>
-                </a:tc>
-                <a:tc>
-                  <a:txBody>
-                    <a:bodyPr/>
-                    <a:lstStyle/>
-                    <a:p>
-                      <a:r>
-                        <a:rPr lang="en-US" sz="900" dirty="0"/>
-                        <a:t>7</a:t>
-                      </a:r>
-                    </a:p>
-                  </a:txBody>
-                  <a:tcPr/>
-                </a:tc>
-                <a:tc>
-                  <a:txBody>
-                    <a:bodyPr/>
-                    <a:lstStyle/>
-                    <a:p>
-                      <a:r>
-                        <a:rPr lang="en-US" sz="900" dirty="0"/>
-                        <a:t>3</a:t>
-                      </a:r>
-                    </a:p>
-                  </a:txBody>
-                  <a:tcPr/>
-                </a:tc>
-                <a:extLst>
-                  <a:ext uri="{0D108BD9-81ED-4DB2-BD59-A6C34878D82A}">
-                    <a16:rowId xmlns:a16="http://schemas.microsoft.com/office/drawing/2014/main" val="2369519787"/>
-                  </a:ext>
-                </a:extLst>
-              </a:tr>
-              <a:tr h="229127">
-                <a:tc>
-                  <a:txBody>
-                    <a:bodyPr/>
-                    <a:lstStyle/>
-                    <a:p>
-                      <a:r>
-                        <a:rPr lang="en-US" sz="900" dirty="0"/>
-                        <a:t>team2</a:t>
-                      </a:r>
-                    </a:p>
-                  </a:txBody>
-                  <a:tcPr/>
-                </a:tc>
-                <a:tc>
-                  <a:txBody>
-                    <a:bodyPr/>
-                    <a:lstStyle/>
-                    <a:p>
-                      <a:r>
-                        <a:rPr lang="en-US" sz="900" dirty="0"/>
-                        <a:t>71</a:t>
-                      </a:r>
-                    </a:p>
-                  </a:txBody>
-                  <a:tcPr/>
-                </a:tc>
-                <a:tc>
-                  <a:txBody>
-                    <a:bodyPr/>
-                    <a:lstStyle/>
-                    <a:p>
-                      <a:r>
-                        <a:rPr lang="en-US" sz="900" dirty="0"/>
-                        <a:t>63</a:t>
-                      </a:r>
-                    </a:p>
-                  </a:txBody>
-                  <a:tcPr/>
-                </a:tc>
-                <a:tc>
-                  <a:txBody>
-                    <a:bodyPr/>
-                    <a:lstStyle/>
-                    <a:p>
-                      <a:r>
-                        <a:rPr lang="en-US" sz="900" dirty="0"/>
-                        <a:t>14</a:t>
-                      </a:r>
-                    </a:p>
-                  </a:txBody>
-                  <a:tcPr/>
-                </a:tc>
-                <a:tc>
-                  <a:txBody>
-                    <a:bodyPr/>
-                    <a:lstStyle/>
-                    <a:p>
-                      <a:r>
-                        <a:rPr lang="en-US" sz="900" dirty="0"/>
-                        <a:t>3</a:t>
-                      </a:r>
-                    </a:p>
-                  </a:txBody>
-                  <a:tcPr/>
-                </a:tc>
-                <a:tc>
-                  <a:txBody>
-                    <a:bodyPr/>
-                    <a:lstStyle/>
-                    <a:p>
-                      <a:r>
-                        <a:rPr lang="en-US" sz="900" dirty="0"/>
-                        <a:t>-</a:t>
-                      </a:r>
-                    </a:p>
-                  </a:txBody>
-                  <a:tcPr/>
-                </a:tc>
-                <a:tc>
-                  <a:txBody>
-                    <a:bodyPr/>
-                    <a:lstStyle/>
-                    <a:p>
-                      <a:r>
-                        <a:rPr lang="en-US" sz="900" dirty="0"/>
-                        <a:t>2</a:t>
-                      </a:r>
-                    </a:p>
-                  </a:txBody>
-                  <a:tcPr/>
-                </a:tc>
-                <a:tc>
-                  <a:txBody>
-                    <a:bodyPr/>
-                    <a:lstStyle/>
-                    <a:p>
-                      <a:r>
-                        <a:rPr lang="en-US" sz="900" dirty="0"/>
-                        <a:t>7</a:t>
-                      </a:r>
-                    </a:p>
-                  </a:txBody>
-                  <a:tcPr/>
-                </a:tc>
-                <a:tc>
-                  <a:txBody>
-                    <a:bodyPr/>
-                    <a:lstStyle/>
-                    <a:p>
-                      <a:r>
-                        <a:rPr lang="en-US" sz="900" dirty="0"/>
-                        <a:t>4</a:t>
-                      </a:r>
-                    </a:p>
-                  </a:txBody>
-                  <a:tcPr/>
-                </a:tc>
-                <a:extLst>
-                  <a:ext uri="{0D108BD9-81ED-4DB2-BD59-A6C34878D82A}">
-                    <a16:rowId xmlns:a16="http://schemas.microsoft.com/office/drawing/2014/main" val="2877546307"/>
-                  </a:ext>
-                </a:extLst>
-              </a:tr>
-              <a:tr h="229127">
-                <a:tc>
-                  <a:txBody>
-                    <a:bodyPr/>
-                    <a:lstStyle/>
-                    <a:p>
-                      <a:r>
-                        <a:rPr lang="en-US" sz="900" dirty="0"/>
-                        <a:t>team3</a:t>
-                      </a:r>
-                    </a:p>
-                  </a:txBody>
-                  <a:tcPr/>
-                </a:tc>
-                <a:tc>
-                  <a:txBody>
-                    <a:bodyPr/>
-                    <a:lstStyle/>
-                    <a:p>
-                      <a:r>
-                        <a:rPr lang="en-US" sz="900" dirty="0"/>
-                        <a:t>69</a:t>
-                      </a:r>
-                    </a:p>
-                  </a:txBody>
-                  <a:tcPr/>
-                </a:tc>
-                <a:tc>
-                  <a:txBody>
-                    <a:bodyPr/>
-                    <a:lstStyle/>
-                    <a:p>
-                      <a:r>
-                        <a:rPr lang="en-US" sz="900" dirty="0"/>
-                        <a:t>66</a:t>
-                      </a:r>
-                    </a:p>
-                  </a:txBody>
-                  <a:tcPr/>
-                </a:tc>
-                <a:tc>
-                  <a:txBody>
-                    <a:bodyPr/>
-                    <a:lstStyle/>
-                    <a:p>
-                      <a:r>
-                        <a:rPr lang="en-US" sz="900" dirty="0"/>
-                        <a:t>10</a:t>
-                      </a:r>
-                    </a:p>
-                  </a:txBody>
-                  <a:tcPr/>
-                </a:tc>
-                <a:tc>
-                  <a:txBody>
-                    <a:bodyPr/>
-                    <a:lstStyle/>
-                    <a:p>
-                      <a:r>
-                        <a:rPr lang="en-US" sz="900" dirty="0"/>
-                        <a:t>8</a:t>
-                      </a:r>
-                    </a:p>
-                  </a:txBody>
-                  <a:tcPr/>
-                </a:tc>
-                <a:tc>
-                  <a:txBody>
-                    <a:bodyPr/>
-                    <a:lstStyle/>
-                    <a:p>
-                      <a:r>
-                        <a:rPr lang="en-US" sz="900" dirty="0"/>
-                        <a:t>2</a:t>
-                      </a:r>
-                    </a:p>
-                  </a:txBody>
-                  <a:tcPr/>
-                </a:tc>
-                <a:tc>
-                  <a:txBody>
-                    <a:bodyPr/>
-                    <a:lstStyle/>
-                    <a:p>
-                      <a:r>
-                        <a:rPr lang="en-US" sz="900" dirty="0"/>
-                        <a:t>-</a:t>
-                      </a:r>
-                    </a:p>
-                  </a:txBody>
-                  <a:tcPr/>
-                </a:tc>
-                <a:tc>
-                  <a:txBody>
-                    <a:bodyPr/>
-                    <a:lstStyle/>
-                    <a:p>
-                      <a:r>
-                        <a:rPr lang="en-US" sz="900" dirty="0"/>
-                        <a:t>-</a:t>
-                      </a:r>
-                    </a:p>
-                  </a:txBody>
-                  <a:tcPr/>
-                </a:tc>
-                <a:tc>
-                  <a:txBody>
-                    <a:bodyPr/>
-                    <a:lstStyle/>
-                    <a:p>
-                      <a:r>
-                        <a:rPr lang="en-US" sz="900" dirty="0"/>
-                        <a:t>-</a:t>
-                      </a:r>
-                    </a:p>
-                  </a:txBody>
-                  <a:tcPr/>
-                </a:tc>
-                <a:extLst>
-                  <a:ext uri="{0D108BD9-81ED-4DB2-BD59-A6C34878D82A}">
-                    <a16:rowId xmlns:a16="http://schemas.microsoft.com/office/drawing/2014/main" val="1642175917"/>
-                  </a:ext>
-                </a:extLst>
-              </a:tr>
-              <a:tr h="229127">
-                <a:tc>
-                  <a:txBody>
-                    <a:bodyPr/>
-                    <a:lstStyle/>
-                    <a:p>
-                      <a:r>
-                        <a:rPr lang="en-US" sz="900" dirty="0"/>
-                        <a:t>team4</a:t>
-                      </a:r>
-                    </a:p>
-                  </a:txBody>
-                  <a:tcPr/>
-                </a:tc>
-                <a:tc>
-                  <a:txBody>
-                    <a:bodyPr/>
-                    <a:lstStyle/>
-                    <a:p>
-                      <a:r>
-                        <a:rPr lang="en-US" sz="900" dirty="0"/>
-                        <a:t>63</a:t>
-                      </a:r>
-                    </a:p>
-                  </a:txBody>
-                  <a:tcPr/>
-                </a:tc>
-                <a:tc>
-                  <a:txBody>
-                    <a:bodyPr/>
-                    <a:lstStyle/>
-                    <a:p>
-                      <a:r>
-                        <a:rPr lang="en-US" sz="900" dirty="0"/>
-                        <a:t>72</a:t>
-                      </a:r>
-                    </a:p>
-                  </a:txBody>
-                  <a:tcPr/>
-                </a:tc>
-                <a:tc>
-                  <a:txBody>
-                    <a:bodyPr/>
-                    <a:lstStyle/>
-                    <a:p>
-                      <a:r>
-                        <a:rPr lang="en-US" sz="900" dirty="0"/>
-                        <a:t>14</a:t>
-                      </a:r>
-                    </a:p>
-                  </a:txBody>
-                  <a:tcPr/>
-                </a:tc>
-                <a:tc>
-                  <a:txBody>
-                    <a:bodyPr/>
-                    <a:lstStyle/>
-                    <a:p>
-                      <a:r>
-                        <a:rPr lang="en-US" sz="900" dirty="0"/>
-                        <a:t>7</a:t>
-                      </a:r>
-                    </a:p>
-                  </a:txBody>
-                  <a:tcPr/>
-                </a:tc>
-                <a:tc>
-                  <a:txBody>
-                    <a:bodyPr/>
-                    <a:lstStyle/>
-                    <a:p>
-                      <a:r>
-                        <a:rPr lang="en-US" sz="900" dirty="0"/>
-                        <a:t>7</a:t>
-                      </a:r>
-                    </a:p>
-                  </a:txBody>
-                  <a:tcPr/>
-                </a:tc>
-                <a:tc>
-                  <a:txBody>
-                    <a:bodyPr/>
-                    <a:lstStyle/>
-                    <a:p>
-                      <a:r>
-                        <a:rPr lang="en-US" sz="900" dirty="0"/>
-                        <a:t>-</a:t>
-                      </a:r>
-                    </a:p>
-                  </a:txBody>
-                  <a:tcPr/>
-                </a:tc>
-                <a:tc>
-                  <a:txBody>
-                    <a:bodyPr/>
-                    <a:lstStyle/>
-                    <a:p>
-                      <a:r>
-                        <a:rPr lang="en-US" sz="900" dirty="0"/>
-                        <a:t>-</a:t>
-                      </a:r>
-                    </a:p>
-                  </a:txBody>
-                  <a:tcPr/>
-                </a:tc>
-                <a:tc>
-                  <a:txBody>
-                    <a:bodyPr/>
-                    <a:lstStyle/>
-                    <a:p>
-                      <a:r>
-                        <a:rPr lang="en-US" sz="900" dirty="0"/>
-                        <a:t>-</a:t>
-                      </a:r>
-                    </a:p>
-                  </a:txBody>
-                  <a:tcPr/>
-                </a:tc>
-                <a:extLst>
-                  <a:ext uri="{0D108BD9-81ED-4DB2-BD59-A6C34878D82A}">
-                    <a16:rowId xmlns:a16="http://schemas.microsoft.com/office/drawing/2014/main" val="2063178005"/>
-                  </a:ext>
-                </a:extLst>
-              </a:tr>
-              <a:tr h="229127">
-                <a:tc>
-                  <a:txBody>
-                    <a:bodyPr/>
-                    <a:lstStyle/>
-                    <a:p>
-                      <a:r>
-                        <a:rPr lang="en-US" sz="900" dirty="0"/>
-                        <a:t>team5</a:t>
-                      </a:r>
-                    </a:p>
-                  </a:txBody>
-                  <a:tcPr/>
-                </a:tc>
-                <a:tc>
-                  <a:txBody>
-                    <a:bodyPr/>
-                    <a:lstStyle/>
-                    <a:p>
-                      <a:r>
-                        <a:rPr lang="en-US" sz="900" dirty="0"/>
-                        <a:t>49</a:t>
-                      </a:r>
-                    </a:p>
-                  </a:txBody>
-                  <a:tcPr/>
-                </a:tc>
-                <a:tc>
-                  <a:txBody>
-                    <a:bodyPr/>
-                    <a:lstStyle/>
-                    <a:p>
-                      <a:r>
-                        <a:rPr lang="en-US" sz="900" dirty="0"/>
-                        <a:t>86</a:t>
-                      </a:r>
-                    </a:p>
-                  </a:txBody>
-                  <a:tcPr/>
-                </a:tc>
-                <a:tc>
-                  <a:txBody>
-                    <a:bodyPr/>
-                    <a:lstStyle/>
-                    <a:p>
-                      <a:r>
-                        <a:rPr lang="en-US" sz="900" dirty="0"/>
-                        <a:t>7</a:t>
-                      </a:r>
-                    </a:p>
-                  </a:txBody>
-                  <a:tcPr/>
-                </a:tc>
-                <a:tc>
-                  <a:txBody>
-                    <a:bodyPr/>
-                    <a:lstStyle/>
-                    <a:p>
-                      <a:r>
-                        <a:rPr lang="en-US" sz="900" dirty="0"/>
-                        <a:t>3</a:t>
-                      </a:r>
-                    </a:p>
-                  </a:txBody>
-                  <a:tcPr/>
-                </a:tc>
-                <a:tc>
-                  <a:txBody>
-                    <a:bodyPr/>
-                    <a:lstStyle/>
-                    <a:p>
-                      <a:r>
-                        <a:rPr lang="en-US" sz="900" dirty="0"/>
-                        <a:t>4</a:t>
-                      </a:r>
-                    </a:p>
-                  </a:txBody>
-                  <a:tcPr/>
-                </a:tc>
-                <a:tc>
-                  <a:txBody>
-                    <a:bodyPr/>
-                    <a:lstStyle/>
-                    <a:p>
-                      <a:r>
-                        <a:rPr lang="en-US" sz="900" dirty="0"/>
-                        <a:t>-</a:t>
-                      </a:r>
-                    </a:p>
-                  </a:txBody>
-                  <a:tcPr/>
-                </a:tc>
-                <a:tc>
-                  <a:txBody>
-                    <a:bodyPr/>
-                    <a:lstStyle/>
-                    <a:p>
-                      <a:r>
-                        <a:rPr lang="en-US" sz="900" dirty="0"/>
-                        <a:t>-</a:t>
-                      </a:r>
-                    </a:p>
-                  </a:txBody>
-                  <a:tcPr/>
-                </a:tc>
-                <a:tc>
-                  <a:txBody>
-                    <a:bodyPr/>
-                    <a:lstStyle/>
-                    <a:p>
-                      <a:r>
-                        <a:rPr lang="en-US" sz="900" dirty="0"/>
-                        <a:t>-</a:t>
-                      </a:r>
-                    </a:p>
-                  </a:txBody>
-                  <a:tcPr/>
-                </a:tc>
-                <a:extLst>
-                  <a:ext uri="{0D108BD9-81ED-4DB2-BD59-A6C34878D82A}">
-                    <a16:rowId xmlns:a16="http://schemas.microsoft.com/office/drawing/2014/main" val="949276029"/>
-                  </a:ext>
-                </a:extLst>
-              </a:tr>
-            </a:tbl>
-          </a:graphicData>
-        </a:graphic>
-      </p:graphicFrame>
       <p:sp>
         <p:nvSpPr>
           <p:cNvPr id="16" name="Flowchart: Connector 15">
@@ -11343,6 +11846,1071 @@
           </a:p>
         </p:txBody>
       </p:sp>
+      <p:graphicFrame>
+        <p:nvGraphicFramePr>
+          <p:cNvPr id="47" name="Table 3">
+            <a:extLst>
+              <a:ext uri="{FF2B5EF4-FFF2-40B4-BE49-F238E27FC236}">
+                <a16:creationId xmlns:a16="http://schemas.microsoft.com/office/drawing/2014/main" id="{35EBA159-CA7B-432C-9C6F-A61E7BF8651B}"/>
+              </a:ext>
+            </a:extLst>
+          </p:cNvPr>
+          <p:cNvGraphicFramePr>
+            <a:graphicFrameLocks noGrp="1"/>
+          </p:cNvGraphicFramePr>
+          <p:nvPr>
+            <p:extLst>
+              <p:ext uri="{D42A27DB-BD31-4B8C-83A1-F6EECF244321}">
+                <p14:modId xmlns:p14="http://schemas.microsoft.com/office/powerpoint/2010/main" val="4060850332"/>
+              </p:ext>
+            </p:extLst>
+          </p:nvPr>
+        </p:nvGraphicFramePr>
+        <p:xfrm>
+          <a:off x="610440" y="1225293"/>
+          <a:ext cx="7945755" cy="1493520"/>
+        </p:xfrm>
+        <a:graphic>
+          <a:graphicData uri="http://schemas.openxmlformats.org/drawingml/2006/table">
+            <a:tbl>
+              <a:tblPr firstRow="1" bandRow="1">
+                <a:tableStyleId>{5C22544A-7EE6-4342-B048-85BDC9FD1C3A}</a:tableStyleId>
+              </a:tblPr>
+              <a:tblGrid>
+                <a:gridCol w="812800">
+                  <a:extLst>
+                    <a:ext uri="{9D8B030D-6E8A-4147-A177-3AD203B41FA5}">
+                      <a16:colId xmlns:a16="http://schemas.microsoft.com/office/drawing/2014/main" val="1295748320"/>
+                    </a:ext>
+                  </a:extLst>
+                </a:gridCol>
+                <a:gridCol w="812800">
+                  <a:extLst>
+                    <a:ext uri="{9D8B030D-6E8A-4147-A177-3AD203B41FA5}">
+                      <a16:colId xmlns:a16="http://schemas.microsoft.com/office/drawing/2014/main" val="571921552"/>
+                    </a:ext>
+                  </a:extLst>
+                </a:gridCol>
+                <a:gridCol w="630555">
+                  <a:extLst>
+                    <a:ext uri="{9D8B030D-6E8A-4147-A177-3AD203B41FA5}">
+                      <a16:colId xmlns:a16="http://schemas.microsoft.com/office/drawing/2014/main" val="3296742110"/>
+                    </a:ext>
+                  </a:extLst>
+                </a:gridCol>
+                <a:gridCol w="812800">
+                  <a:extLst>
+                    <a:ext uri="{9D8B030D-6E8A-4147-A177-3AD203B41FA5}">
+                      <a16:colId xmlns:a16="http://schemas.microsoft.com/office/drawing/2014/main" val="2599810887"/>
+                    </a:ext>
+                  </a:extLst>
+                </a:gridCol>
+                <a:gridCol w="812800">
+                  <a:extLst>
+                    <a:ext uri="{9D8B030D-6E8A-4147-A177-3AD203B41FA5}">
+                      <a16:colId xmlns:a16="http://schemas.microsoft.com/office/drawing/2014/main" val="1697646039"/>
+                    </a:ext>
+                  </a:extLst>
+                </a:gridCol>
+                <a:gridCol w="812800">
+                  <a:extLst>
+                    <a:ext uri="{9D8B030D-6E8A-4147-A177-3AD203B41FA5}">
+                      <a16:colId xmlns:a16="http://schemas.microsoft.com/office/drawing/2014/main" val="1897768502"/>
+                    </a:ext>
+                  </a:extLst>
+                </a:gridCol>
+                <a:gridCol w="812800">
+                  <a:extLst>
+                    <a:ext uri="{9D8B030D-6E8A-4147-A177-3AD203B41FA5}">
+                      <a16:colId xmlns:a16="http://schemas.microsoft.com/office/drawing/2014/main" val="944165401"/>
+                    </a:ext>
+                  </a:extLst>
+                </a:gridCol>
+                <a:gridCol w="812800">
+                  <a:extLst>
+                    <a:ext uri="{9D8B030D-6E8A-4147-A177-3AD203B41FA5}">
+                      <a16:colId xmlns:a16="http://schemas.microsoft.com/office/drawing/2014/main" val="2655965672"/>
+                    </a:ext>
+                  </a:extLst>
+                </a:gridCol>
+                <a:gridCol w="812800">
+                  <a:extLst>
+                    <a:ext uri="{9D8B030D-6E8A-4147-A177-3AD203B41FA5}">
+                      <a16:colId xmlns:a16="http://schemas.microsoft.com/office/drawing/2014/main" val="2140286251"/>
+                    </a:ext>
+                  </a:extLst>
+                </a:gridCol>
+                <a:gridCol w="812800">
+                  <a:extLst>
+                    <a:ext uri="{9D8B030D-6E8A-4147-A177-3AD203B41FA5}">
+                      <a16:colId xmlns:a16="http://schemas.microsoft.com/office/drawing/2014/main" val="3666564116"/>
+                    </a:ext>
+                  </a:extLst>
+                </a:gridCol>
+              </a:tblGrid>
+              <a:tr h="193587">
+                <a:tc>
+                  <a:txBody>
+                    <a:bodyPr/>
+                    <a:lstStyle/>
+                    <a:p>
+                      <a:r>
+                        <a:rPr lang="en-US" sz="800" dirty="0"/>
+                        <a:t>Team </a:t>
+                      </a:r>
+                    </a:p>
+                  </a:txBody>
+                  <a:tcPr/>
+                </a:tc>
+                <a:tc>
+                  <a:txBody>
+                    <a:bodyPr/>
+                    <a:lstStyle/>
+                    <a:p>
+                      <a:r>
+                        <a:rPr lang="en-US" sz="800" dirty="0"/>
+                        <a:t>Wins </a:t>
+                      </a:r>
+                    </a:p>
+                  </a:txBody>
+                  <a:tcPr/>
+                </a:tc>
+                <a:tc>
+                  <a:txBody>
+                    <a:bodyPr/>
+                    <a:lstStyle/>
+                    <a:p>
+                      <a:r>
+                        <a:rPr lang="en-US" sz="800" dirty="0"/>
+                        <a:t>Losses </a:t>
+                      </a:r>
+                    </a:p>
+                  </a:txBody>
+                  <a:tcPr/>
+                </a:tc>
+                <a:tc>
+                  <a:txBody>
+                    <a:bodyPr/>
+                    <a:lstStyle/>
+                    <a:p>
+                      <a:r>
+                        <a:rPr lang="en-US" sz="800" dirty="0"/>
+                        <a:t>Left </a:t>
+                      </a:r>
+                    </a:p>
+                  </a:txBody>
+                  <a:tcPr/>
+                </a:tc>
+                <a:tc>
+                  <a:txBody>
+                    <a:bodyPr/>
+                    <a:lstStyle/>
+                    <a:p>
+                      <a:r>
+                        <a:rPr lang="en-US" sz="800" dirty="0"/>
+                        <a:t>team1</a:t>
+                      </a:r>
+                    </a:p>
+                  </a:txBody>
+                  <a:tcPr/>
+                </a:tc>
+                <a:tc>
+                  <a:txBody>
+                    <a:bodyPr/>
+                    <a:lstStyle/>
+                    <a:p>
+                      <a:r>
+                        <a:rPr lang="en-US" sz="800" dirty="0"/>
+                        <a:t>team2</a:t>
+                      </a:r>
+                    </a:p>
+                  </a:txBody>
+                  <a:tcPr/>
+                </a:tc>
+                <a:tc>
+                  <a:txBody>
+                    <a:bodyPr/>
+                    <a:lstStyle/>
+                    <a:p>
+                      <a:r>
+                        <a:rPr lang="en-US" sz="800" dirty="0"/>
+                        <a:t>team3</a:t>
+                      </a:r>
+                    </a:p>
+                  </a:txBody>
+                  <a:tcPr/>
+                </a:tc>
+                <a:tc>
+                  <a:txBody>
+                    <a:bodyPr/>
+                    <a:lstStyle/>
+                    <a:p>
+                      <a:r>
+                        <a:rPr lang="en-US" sz="800" dirty="0"/>
+                        <a:t>team4</a:t>
+                      </a:r>
+                    </a:p>
+                  </a:txBody>
+                  <a:tcPr/>
+                </a:tc>
+                <a:tc>
+                  <a:txBody>
+                    <a:bodyPr/>
+                    <a:lstStyle/>
+                    <a:p>
+                      <a:r>
+                        <a:rPr lang="en-US" sz="800" dirty="0"/>
+                        <a:t>team5</a:t>
+                      </a:r>
+                    </a:p>
+                  </a:txBody>
+                  <a:tcPr/>
+                </a:tc>
+                <a:tc>
+                  <a:txBody>
+                    <a:bodyPr/>
+                    <a:lstStyle/>
+                    <a:p>
+                      <a:r>
+                        <a:rPr lang="en-US" sz="800" dirty="0"/>
+                        <a:t>team6</a:t>
+                      </a:r>
+                    </a:p>
+                  </a:txBody>
+                  <a:tcPr/>
+                </a:tc>
+                <a:extLst>
+                  <a:ext uri="{0D108BD9-81ED-4DB2-BD59-A6C34878D82A}">
+                    <a16:rowId xmlns:a16="http://schemas.microsoft.com/office/drawing/2014/main" val="2509233549"/>
+                  </a:ext>
+                </a:extLst>
+              </a:tr>
+              <a:tr h="193587">
+                <a:tc>
+                  <a:txBody>
+                    <a:bodyPr/>
+                    <a:lstStyle/>
+                    <a:p>
+                      <a:r>
+                        <a:rPr lang="en-US" sz="800" dirty="0"/>
+                        <a:t>team1</a:t>
+                      </a:r>
+                    </a:p>
+                  </a:txBody>
+                  <a:tcPr/>
+                </a:tc>
+                <a:tc>
+                  <a:txBody>
+                    <a:bodyPr/>
+                    <a:lstStyle/>
+                    <a:p>
+                      <a:r>
+                        <a:rPr lang="en-US" sz="800" dirty="0"/>
+                        <a:t>75</a:t>
+                      </a:r>
+                    </a:p>
+                  </a:txBody>
+                  <a:tcPr/>
+                </a:tc>
+                <a:tc>
+                  <a:txBody>
+                    <a:bodyPr/>
+                    <a:lstStyle/>
+                    <a:p>
+                      <a:r>
+                        <a:rPr lang="en-US" sz="800" dirty="0"/>
+                        <a:t>59</a:t>
+                      </a:r>
+                    </a:p>
+                  </a:txBody>
+                  <a:tcPr/>
+                </a:tc>
+                <a:tc>
+                  <a:txBody>
+                    <a:bodyPr/>
+                    <a:lstStyle/>
+                    <a:p>
+                      <a:r>
+                        <a:rPr lang="en-US" sz="800" dirty="0"/>
+                        <a:t>21</a:t>
+                      </a:r>
+                    </a:p>
+                  </a:txBody>
+                  <a:tcPr/>
+                </a:tc>
+                <a:tc>
+                  <a:txBody>
+                    <a:bodyPr/>
+                    <a:lstStyle/>
+                    <a:p>
+                      <a:r>
+                        <a:rPr lang="en-US" sz="800" dirty="0"/>
+                        <a:t>-</a:t>
+                      </a:r>
+                    </a:p>
+                  </a:txBody>
+                  <a:tcPr/>
+                </a:tc>
+                <a:tc>
+                  <a:txBody>
+                    <a:bodyPr/>
+                    <a:lstStyle/>
+                    <a:p>
+                      <a:r>
+                        <a:rPr lang="en-US" sz="800" dirty="0"/>
+                        <a:t>3</a:t>
+                      </a:r>
+                    </a:p>
+                  </a:txBody>
+                  <a:tcPr/>
+                </a:tc>
+                <a:tc>
+                  <a:txBody>
+                    <a:bodyPr/>
+                    <a:lstStyle/>
+                    <a:p>
+                      <a:r>
+                        <a:rPr lang="en-US" sz="800" dirty="0"/>
+                        <a:t>8</a:t>
+                      </a:r>
+                    </a:p>
+                  </a:txBody>
+                  <a:tcPr/>
+                </a:tc>
+                <a:tc>
+                  <a:txBody>
+                    <a:bodyPr/>
+                    <a:lstStyle/>
+                    <a:p>
+                      <a:r>
+                        <a:rPr lang="en-US" sz="800" dirty="0"/>
+                        <a:t>7</a:t>
+                      </a:r>
+                    </a:p>
+                  </a:txBody>
+                  <a:tcPr/>
+                </a:tc>
+                <a:tc>
+                  <a:txBody>
+                    <a:bodyPr/>
+                    <a:lstStyle/>
+                    <a:p>
+                      <a:r>
+                        <a:rPr lang="en-US" sz="800" dirty="0"/>
+                        <a:t>3</a:t>
+                      </a:r>
+                    </a:p>
+                  </a:txBody>
+                  <a:tcPr/>
+                </a:tc>
+                <a:tc>
+                  <a:txBody>
+                    <a:bodyPr/>
+                    <a:lstStyle/>
+                    <a:p>
+                      <a:r>
+                        <a:rPr lang="en-US" sz="800" dirty="0"/>
+                        <a:t>-</a:t>
+                      </a:r>
+                    </a:p>
+                  </a:txBody>
+                  <a:tcPr/>
+                </a:tc>
+                <a:extLst>
+                  <a:ext uri="{0D108BD9-81ED-4DB2-BD59-A6C34878D82A}">
+                    <a16:rowId xmlns:a16="http://schemas.microsoft.com/office/drawing/2014/main" val="2369519787"/>
+                  </a:ext>
+                </a:extLst>
+              </a:tr>
+              <a:tr h="193587">
+                <a:tc>
+                  <a:txBody>
+                    <a:bodyPr/>
+                    <a:lstStyle/>
+                    <a:p>
+                      <a:r>
+                        <a:rPr lang="en-US" sz="800" dirty="0"/>
+                        <a:t>team2</a:t>
+                      </a:r>
+                    </a:p>
+                  </a:txBody>
+                  <a:tcPr/>
+                </a:tc>
+                <a:tc>
+                  <a:txBody>
+                    <a:bodyPr/>
+                    <a:lstStyle/>
+                    <a:p>
+                      <a:r>
+                        <a:rPr lang="en-US" sz="800" dirty="0"/>
+                        <a:t>71</a:t>
+                      </a:r>
+                    </a:p>
+                  </a:txBody>
+                  <a:tcPr/>
+                </a:tc>
+                <a:tc>
+                  <a:txBody>
+                    <a:bodyPr/>
+                    <a:lstStyle/>
+                    <a:p>
+                      <a:r>
+                        <a:rPr lang="en-US" sz="800" dirty="0"/>
+                        <a:t>63</a:t>
+                      </a:r>
+                    </a:p>
+                  </a:txBody>
+                  <a:tcPr/>
+                </a:tc>
+                <a:tc>
+                  <a:txBody>
+                    <a:bodyPr/>
+                    <a:lstStyle/>
+                    <a:p>
+                      <a:r>
+                        <a:rPr lang="en-US" sz="800" dirty="0"/>
+                        <a:t>14</a:t>
+                      </a:r>
+                    </a:p>
+                  </a:txBody>
+                  <a:tcPr/>
+                </a:tc>
+                <a:tc>
+                  <a:txBody>
+                    <a:bodyPr/>
+                    <a:lstStyle/>
+                    <a:p>
+                      <a:r>
+                        <a:rPr lang="en-US" sz="800" dirty="0"/>
+                        <a:t>3</a:t>
+                      </a:r>
+                    </a:p>
+                  </a:txBody>
+                  <a:tcPr/>
+                </a:tc>
+                <a:tc>
+                  <a:txBody>
+                    <a:bodyPr/>
+                    <a:lstStyle/>
+                    <a:p>
+                      <a:r>
+                        <a:rPr lang="en-US" sz="800" dirty="0"/>
+                        <a:t>-</a:t>
+                      </a:r>
+                    </a:p>
+                  </a:txBody>
+                  <a:tcPr/>
+                </a:tc>
+                <a:tc>
+                  <a:txBody>
+                    <a:bodyPr/>
+                    <a:lstStyle/>
+                    <a:p>
+                      <a:r>
+                        <a:rPr lang="en-US" sz="800" dirty="0"/>
+                        <a:t>2</a:t>
+                      </a:r>
+                    </a:p>
+                  </a:txBody>
+                  <a:tcPr/>
+                </a:tc>
+                <a:tc>
+                  <a:txBody>
+                    <a:bodyPr/>
+                    <a:lstStyle/>
+                    <a:p>
+                      <a:r>
+                        <a:rPr lang="en-US" sz="800" dirty="0"/>
+                        <a:t>7</a:t>
+                      </a:r>
+                    </a:p>
+                  </a:txBody>
+                  <a:tcPr/>
+                </a:tc>
+                <a:tc>
+                  <a:txBody>
+                    <a:bodyPr/>
+                    <a:lstStyle/>
+                    <a:p>
+                      <a:r>
+                        <a:rPr lang="en-US" sz="800" dirty="0"/>
+                        <a:t>4</a:t>
+                      </a:r>
+                    </a:p>
+                  </a:txBody>
+                  <a:tcPr/>
+                </a:tc>
+                <a:tc>
+                  <a:txBody>
+                    <a:bodyPr/>
+                    <a:lstStyle/>
+                    <a:p>
+                      <a:r>
+                        <a:rPr lang="en-US" sz="800" dirty="0"/>
+                        <a:t>-</a:t>
+                      </a:r>
+                    </a:p>
+                  </a:txBody>
+                  <a:tcPr/>
+                </a:tc>
+                <a:extLst>
+                  <a:ext uri="{0D108BD9-81ED-4DB2-BD59-A6C34878D82A}">
+                    <a16:rowId xmlns:a16="http://schemas.microsoft.com/office/drawing/2014/main" val="2877546307"/>
+                  </a:ext>
+                </a:extLst>
+              </a:tr>
+              <a:tr h="193587">
+                <a:tc>
+                  <a:txBody>
+                    <a:bodyPr/>
+                    <a:lstStyle/>
+                    <a:p>
+                      <a:r>
+                        <a:rPr lang="en-US" sz="800" dirty="0"/>
+                        <a:t>team3</a:t>
+                      </a:r>
+                    </a:p>
+                  </a:txBody>
+                  <a:tcPr/>
+                </a:tc>
+                <a:tc>
+                  <a:txBody>
+                    <a:bodyPr/>
+                    <a:lstStyle/>
+                    <a:p>
+                      <a:r>
+                        <a:rPr lang="en-US" sz="800" dirty="0"/>
+                        <a:t>69</a:t>
+                      </a:r>
+                    </a:p>
+                  </a:txBody>
+                  <a:tcPr/>
+                </a:tc>
+                <a:tc>
+                  <a:txBody>
+                    <a:bodyPr/>
+                    <a:lstStyle/>
+                    <a:p>
+                      <a:r>
+                        <a:rPr lang="en-US" sz="800" dirty="0"/>
+                        <a:t>66</a:t>
+                      </a:r>
+                    </a:p>
+                  </a:txBody>
+                  <a:tcPr/>
+                </a:tc>
+                <a:tc>
+                  <a:txBody>
+                    <a:bodyPr/>
+                    <a:lstStyle/>
+                    <a:p>
+                      <a:r>
+                        <a:rPr lang="en-US" sz="800" dirty="0"/>
+                        <a:t>10</a:t>
+                      </a:r>
+                    </a:p>
+                  </a:txBody>
+                  <a:tcPr/>
+                </a:tc>
+                <a:tc>
+                  <a:txBody>
+                    <a:bodyPr/>
+                    <a:lstStyle/>
+                    <a:p>
+                      <a:r>
+                        <a:rPr lang="en-US" sz="800" dirty="0"/>
+                        <a:t>8</a:t>
+                      </a:r>
+                    </a:p>
+                  </a:txBody>
+                  <a:tcPr/>
+                </a:tc>
+                <a:tc>
+                  <a:txBody>
+                    <a:bodyPr/>
+                    <a:lstStyle/>
+                    <a:p>
+                      <a:r>
+                        <a:rPr lang="en-US" sz="800" dirty="0"/>
+                        <a:t>2</a:t>
+                      </a:r>
+                    </a:p>
+                  </a:txBody>
+                  <a:tcPr/>
+                </a:tc>
+                <a:tc>
+                  <a:txBody>
+                    <a:bodyPr/>
+                    <a:lstStyle/>
+                    <a:p>
+                      <a:r>
+                        <a:rPr lang="en-US" sz="800" dirty="0"/>
+                        <a:t>-</a:t>
+                      </a:r>
+                    </a:p>
+                  </a:txBody>
+                  <a:tcPr/>
+                </a:tc>
+                <a:tc>
+                  <a:txBody>
+                    <a:bodyPr/>
+                    <a:lstStyle/>
+                    <a:p>
+                      <a:r>
+                        <a:rPr lang="en-US" sz="800" dirty="0"/>
+                        <a:t>-</a:t>
+                      </a:r>
+                    </a:p>
+                  </a:txBody>
+                  <a:tcPr/>
+                </a:tc>
+                <a:tc>
+                  <a:txBody>
+                    <a:bodyPr/>
+                    <a:lstStyle/>
+                    <a:p>
+                      <a:r>
+                        <a:rPr lang="en-US" sz="800" dirty="0"/>
+                        <a:t>-</a:t>
+                      </a:r>
+                    </a:p>
+                  </a:txBody>
+                  <a:tcPr/>
+                </a:tc>
+                <a:tc>
+                  <a:txBody>
+                    <a:bodyPr/>
+                    <a:lstStyle/>
+                    <a:p>
+                      <a:r>
+                        <a:rPr lang="en-US" sz="800" dirty="0"/>
+                        <a:t>-</a:t>
+                      </a:r>
+                    </a:p>
+                  </a:txBody>
+                  <a:tcPr/>
+                </a:tc>
+                <a:extLst>
+                  <a:ext uri="{0D108BD9-81ED-4DB2-BD59-A6C34878D82A}">
+                    <a16:rowId xmlns:a16="http://schemas.microsoft.com/office/drawing/2014/main" val="1642175917"/>
+                  </a:ext>
+                </a:extLst>
+              </a:tr>
+              <a:tr h="193587">
+                <a:tc>
+                  <a:txBody>
+                    <a:bodyPr/>
+                    <a:lstStyle/>
+                    <a:p>
+                      <a:r>
+                        <a:rPr lang="en-US" sz="800" dirty="0"/>
+                        <a:t>team4</a:t>
+                      </a:r>
+                    </a:p>
+                  </a:txBody>
+                  <a:tcPr/>
+                </a:tc>
+                <a:tc>
+                  <a:txBody>
+                    <a:bodyPr/>
+                    <a:lstStyle/>
+                    <a:p>
+                      <a:r>
+                        <a:rPr lang="en-US" sz="800" dirty="0"/>
+                        <a:t>63</a:t>
+                      </a:r>
+                    </a:p>
+                  </a:txBody>
+                  <a:tcPr/>
+                </a:tc>
+                <a:tc>
+                  <a:txBody>
+                    <a:bodyPr/>
+                    <a:lstStyle/>
+                    <a:p>
+                      <a:r>
+                        <a:rPr lang="en-US" sz="800" dirty="0"/>
+                        <a:t>72</a:t>
+                      </a:r>
+                    </a:p>
+                  </a:txBody>
+                  <a:tcPr/>
+                </a:tc>
+                <a:tc>
+                  <a:txBody>
+                    <a:bodyPr/>
+                    <a:lstStyle/>
+                    <a:p>
+                      <a:r>
+                        <a:rPr lang="en-US" sz="800" dirty="0"/>
+                        <a:t>14</a:t>
+                      </a:r>
+                    </a:p>
+                  </a:txBody>
+                  <a:tcPr/>
+                </a:tc>
+                <a:tc>
+                  <a:txBody>
+                    <a:bodyPr/>
+                    <a:lstStyle/>
+                    <a:p>
+                      <a:r>
+                        <a:rPr lang="en-US" sz="800" dirty="0"/>
+                        <a:t>7</a:t>
+                      </a:r>
+                    </a:p>
+                  </a:txBody>
+                  <a:tcPr/>
+                </a:tc>
+                <a:tc>
+                  <a:txBody>
+                    <a:bodyPr/>
+                    <a:lstStyle/>
+                    <a:p>
+                      <a:r>
+                        <a:rPr lang="en-US" sz="800" dirty="0"/>
+                        <a:t>7</a:t>
+                      </a:r>
+                    </a:p>
+                  </a:txBody>
+                  <a:tcPr/>
+                </a:tc>
+                <a:tc>
+                  <a:txBody>
+                    <a:bodyPr/>
+                    <a:lstStyle/>
+                    <a:p>
+                      <a:r>
+                        <a:rPr lang="en-US" sz="800" dirty="0"/>
+                        <a:t>-</a:t>
+                      </a:r>
+                    </a:p>
+                  </a:txBody>
+                  <a:tcPr/>
+                </a:tc>
+                <a:tc>
+                  <a:txBody>
+                    <a:bodyPr/>
+                    <a:lstStyle/>
+                    <a:p>
+                      <a:r>
+                        <a:rPr lang="en-US" sz="800" dirty="0"/>
+                        <a:t>-</a:t>
+                      </a:r>
+                    </a:p>
+                  </a:txBody>
+                  <a:tcPr/>
+                </a:tc>
+                <a:tc>
+                  <a:txBody>
+                    <a:bodyPr/>
+                    <a:lstStyle/>
+                    <a:p>
+                      <a:r>
+                        <a:rPr lang="en-US" sz="800" dirty="0"/>
+                        <a:t>-</a:t>
+                      </a:r>
+                    </a:p>
+                  </a:txBody>
+                  <a:tcPr/>
+                </a:tc>
+                <a:tc>
+                  <a:txBody>
+                    <a:bodyPr/>
+                    <a:lstStyle/>
+                    <a:p>
+                      <a:r>
+                        <a:rPr lang="en-US" sz="800" dirty="0"/>
+                        <a:t>-</a:t>
+                      </a:r>
+                    </a:p>
+                  </a:txBody>
+                  <a:tcPr/>
+                </a:tc>
+                <a:extLst>
+                  <a:ext uri="{0D108BD9-81ED-4DB2-BD59-A6C34878D82A}">
+                    <a16:rowId xmlns:a16="http://schemas.microsoft.com/office/drawing/2014/main" val="2063178005"/>
+                  </a:ext>
+                </a:extLst>
+              </a:tr>
+              <a:tr h="193587">
+                <a:tc>
+                  <a:txBody>
+                    <a:bodyPr/>
+                    <a:lstStyle/>
+                    <a:p>
+                      <a:r>
+                        <a:rPr lang="en-US" sz="800" dirty="0"/>
+                        <a:t>team5</a:t>
+                      </a:r>
+                    </a:p>
+                  </a:txBody>
+                  <a:tcPr/>
+                </a:tc>
+                <a:tc>
+                  <a:txBody>
+                    <a:bodyPr/>
+                    <a:lstStyle/>
+                    <a:p>
+                      <a:r>
+                        <a:rPr lang="en-US" sz="800" dirty="0"/>
+                        <a:t>49</a:t>
+                      </a:r>
+                    </a:p>
+                  </a:txBody>
+                  <a:tcPr/>
+                </a:tc>
+                <a:tc>
+                  <a:txBody>
+                    <a:bodyPr/>
+                    <a:lstStyle/>
+                    <a:p>
+                      <a:r>
+                        <a:rPr lang="en-US" sz="800" dirty="0"/>
+                        <a:t>86</a:t>
+                      </a:r>
+                    </a:p>
+                  </a:txBody>
+                  <a:tcPr/>
+                </a:tc>
+                <a:tc>
+                  <a:txBody>
+                    <a:bodyPr/>
+                    <a:lstStyle/>
+                    <a:p>
+                      <a:r>
+                        <a:rPr lang="en-US" sz="800" dirty="0"/>
+                        <a:t>27</a:t>
+                      </a:r>
+                    </a:p>
+                  </a:txBody>
+                  <a:tcPr/>
+                </a:tc>
+                <a:tc>
+                  <a:txBody>
+                    <a:bodyPr/>
+                    <a:lstStyle/>
+                    <a:p>
+                      <a:r>
+                        <a:rPr lang="en-US" sz="800" dirty="0"/>
+                        <a:t>3</a:t>
+                      </a:r>
+                    </a:p>
+                  </a:txBody>
+                  <a:tcPr/>
+                </a:tc>
+                <a:tc>
+                  <a:txBody>
+                    <a:bodyPr/>
+                    <a:lstStyle/>
+                    <a:p>
+                      <a:r>
+                        <a:rPr lang="en-US" sz="800" dirty="0"/>
+                        <a:t>4</a:t>
+                      </a:r>
+                    </a:p>
+                  </a:txBody>
+                  <a:tcPr/>
+                </a:tc>
+                <a:tc>
+                  <a:txBody>
+                    <a:bodyPr/>
+                    <a:lstStyle/>
+                    <a:p>
+                      <a:r>
+                        <a:rPr lang="en-US" sz="800" dirty="0"/>
+                        <a:t>-</a:t>
+                      </a:r>
+                    </a:p>
+                  </a:txBody>
+                  <a:tcPr/>
+                </a:tc>
+                <a:tc>
+                  <a:txBody>
+                    <a:bodyPr/>
+                    <a:lstStyle/>
+                    <a:p>
+                      <a:r>
+                        <a:rPr lang="en-US" sz="800" dirty="0"/>
+                        <a:t>-</a:t>
+                      </a:r>
+                    </a:p>
+                  </a:txBody>
+                  <a:tcPr/>
+                </a:tc>
+                <a:tc>
+                  <a:txBody>
+                    <a:bodyPr/>
+                    <a:lstStyle/>
+                    <a:p>
+                      <a:r>
+                        <a:rPr lang="en-US" sz="800" dirty="0"/>
+                        <a:t>-</a:t>
+                      </a:r>
+                    </a:p>
+                  </a:txBody>
+                  <a:tcPr/>
+                </a:tc>
+                <a:tc>
+                  <a:txBody>
+                    <a:bodyPr/>
+                    <a:lstStyle/>
+                    <a:p>
+                      <a:r>
+                        <a:rPr lang="en-US" sz="800" dirty="0"/>
+                        <a:t>10</a:t>
+                      </a:r>
+                    </a:p>
+                  </a:txBody>
+                  <a:tcPr/>
+                </a:tc>
+                <a:extLst>
+                  <a:ext uri="{0D108BD9-81ED-4DB2-BD59-A6C34878D82A}">
+                    <a16:rowId xmlns:a16="http://schemas.microsoft.com/office/drawing/2014/main" val="949276029"/>
+                  </a:ext>
+                </a:extLst>
+              </a:tr>
+              <a:tr h="193587">
+                <a:tc>
+                  <a:txBody>
+                    <a:bodyPr/>
+                    <a:lstStyle/>
+                    <a:p>
+                      <a:r>
+                        <a:rPr lang="en-US" sz="800" dirty="0"/>
+                        <a:t>team6</a:t>
+                      </a:r>
+                    </a:p>
+                  </a:txBody>
+                  <a:tcPr/>
+                </a:tc>
+                <a:tc>
+                  <a:txBody>
+                    <a:bodyPr/>
+                    <a:lstStyle/>
+                    <a:p>
+                      <a:r>
+                        <a:rPr lang="en-US" sz="800" dirty="0"/>
+                        <a:t>10</a:t>
+                      </a:r>
+                    </a:p>
+                  </a:txBody>
+                  <a:tcPr/>
+                </a:tc>
+                <a:tc>
+                  <a:txBody>
+                    <a:bodyPr/>
+                    <a:lstStyle/>
+                    <a:p>
+                      <a:r>
+                        <a:rPr lang="en-US" sz="800" dirty="0"/>
+                        <a:t>134</a:t>
+                      </a:r>
+                    </a:p>
+                  </a:txBody>
+                  <a:tcPr/>
+                </a:tc>
+                <a:tc>
+                  <a:txBody>
+                    <a:bodyPr/>
+                    <a:lstStyle/>
+                    <a:p>
+                      <a:r>
+                        <a:rPr lang="en-US" sz="800" dirty="0"/>
+                        <a:t>10</a:t>
+                      </a:r>
+                    </a:p>
+                  </a:txBody>
+                  <a:tcPr/>
+                </a:tc>
+                <a:tc>
+                  <a:txBody>
+                    <a:bodyPr/>
+                    <a:lstStyle/>
+                    <a:p>
+                      <a:r>
+                        <a:rPr lang="en-US" sz="800" dirty="0"/>
+                        <a:t>-</a:t>
+                      </a:r>
+                    </a:p>
+                  </a:txBody>
+                  <a:tcPr/>
+                </a:tc>
+                <a:tc>
+                  <a:txBody>
+                    <a:bodyPr/>
+                    <a:lstStyle/>
+                    <a:p>
+                      <a:r>
+                        <a:rPr lang="en-US" sz="800" dirty="0"/>
+                        <a:t>-</a:t>
+                      </a:r>
+                    </a:p>
+                  </a:txBody>
+                  <a:tcPr/>
+                </a:tc>
+                <a:tc>
+                  <a:txBody>
+                    <a:bodyPr/>
+                    <a:lstStyle/>
+                    <a:p>
+                      <a:r>
+                        <a:rPr lang="en-US" sz="800" dirty="0"/>
+                        <a:t>-</a:t>
+                      </a:r>
+                    </a:p>
+                  </a:txBody>
+                  <a:tcPr/>
+                </a:tc>
+                <a:tc>
+                  <a:txBody>
+                    <a:bodyPr/>
+                    <a:lstStyle/>
+                    <a:p>
+                      <a:r>
+                        <a:rPr lang="en-US" sz="800" dirty="0"/>
+                        <a:t>-</a:t>
+                      </a:r>
+                    </a:p>
+                  </a:txBody>
+                  <a:tcPr/>
+                </a:tc>
+                <a:tc>
+                  <a:txBody>
+                    <a:bodyPr/>
+                    <a:lstStyle/>
+                    <a:p>
+                      <a:r>
+                        <a:rPr lang="en-US" sz="800" dirty="0"/>
+                        <a:t>10</a:t>
+                      </a:r>
+                    </a:p>
+                  </a:txBody>
+                  <a:tcPr/>
+                </a:tc>
+                <a:tc>
+                  <a:txBody>
+                    <a:bodyPr/>
+                    <a:lstStyle/>
+                    <a:p>
+                      <a:r>
+                        <a:rPr lang="en-US" sz="800" dirty="0"/>
+                        <a:t>-</a:t>
+                      </a:r>
+                    </a:p>
+                  </a:txBody>
+                  <a:tcPr/>
+                </a:tc>
+                <a:extLst>
+                  <a:ext uri="{0D108BD9-81ED-4DB2-BD59-A6C34878D82A}">
+                    <a16:rowId xmlns:a16="http://schemas.microsoft.com/office/drawing/2014/main" val="2301816214"/>
+                  </a:ext>
+                </a:extLst>
+              </a:tr>
+            </a:tbl>
+          </a:graphicData>
+        </a:graphic>
+      </p:graphicFrame>
     </p:spTree>
     <p:extLst>
       <p:ext uri="{BB962C8B-B14F-4D97-AF65-F5344CB8AC3E}">
@@ -14979,7 +16547,7 @@
             </a:r>
             <a:r>
               <a:rPr lang="en-US" dirty="0">
-                <a:hlinkClick r:id="rId2"/>
+                <a:hlinkClick r:id="rId3"/>
               </a:rPr>
               <a:t>Edmund Karp algorithm  </a:t>
             </a:r>
@@ -14994,18 +16562,18 @@
               <a:t>hence team 5 is eliminated </a:t>
             </a:r>
             <a:endParaRPr lang="en-US" b="1" dirty="0">
-              <a:hlinkClick r:id="rId2"/>
+              <a:hlinkClick r:id="rId3"/>
             </a:endParaRPr>
           </a:p>
           <a:p>
             <a:endParaRPr lang="en-US" dirty="0">
-              <a:hlinkClick r:id="rId2"/>
+              <a:hlinkClick r:id="rId3"/>
             </a:endParaRPr>
           </a:p>
           <a:p>
             <a:r>
               <a:rPr lang="en-US" dirty="0">
-                <a:hlinkClick r:id="rId2"/>
+                <a:hlinkClick r:id="rId3"/>
               </a:rPr>
               <a:t> </a:t>
             </a:r>
@@ -16576,6 +18144,24 @@
 </file>
 
 <file path=customXml/item1.xml><?xml version="1.0" encoding="utf-8"?>
+<p:properties xmlns:p="http://schemas.microsoft.com/office/2006/metadata/properties" xmlns:xsi="http://www.w3.org/2001/XMLSchema-instance" xmlns:pc="http://schemas.microsoft.com/office/infopath/2007/PartnerControls">
+  <documentManagement>
+    <Status xmlns="71af3243-3dd4-4a8d-8c0d-dd76da1f02a5">Not started</Status>
+    <MediaServiceKeyPoints xmlns="71af3243-3dd4-4a8d-8c0d-dd76da1f02a5" xsi:nil="true"/>
+  </documentManagement>
+</p:properties>
+</file>
+
+<file path=customXml/item2.xml><?xml version="1.0" encoding="utf-8"?>
+<?mso-contentType ?>
+<FormTemplates xmlns="http://schemas.microsoft.com/sharepoint/v3/contenttype/forms">
+  <Display>DocumentLibraryForm</Display>
+  <Edit>DocumentLibraryForm</Edit>
+  <New>DocumentLibraryForm</New>
+</FormTemplates>
+</file>
+
+<file path=customXml/item3.xml><?xml version="1.0" encoding="utf-8"?>
 <ct:contentTypeSchema xmlns:ct="http://schemas.microsoft.com/office/2006/metadata/contentType" xmlns:ma="http://schemas.microsoft.com/office/2006/metadata/properties/metaAttributes" ct:_="" ma:_="" ma:contentTypeName="Document" ma:contentTypeID="0x01010079F111ED35F8CC479449609E8A0923A6" ma:contentTypeVersion="12" ma:contentTypeDescription="Create a new document." ma:contentTypeScope="" ma:versionID="a8a52e8c320b9a064ae3583ae3861c92">
   <xsd:schema xmlns:xsd="http://www.w3.org/2001/XMLSchema" xmlns:xs="http://www.w3.org/2001/XMLSchema" xmlns:p="http://schemas.microsoft.com/office/2006/metadata/properties" xmlns:ns2="71af3243-3dd4-4a8d-8c0d-dd76da1f02a5" xmlns:ns3="16c05727-aa75-4e4a-9b5f-8a80a1165891" targetNamespace="http://schemas.microsoft.com/office/2006/metadata/properties" ma:root="true" ma:fieldsID="88020cb39231a0945110f9cd888b521a" ns2:_="" ns3:_="">
     <xsd:import namespace="71af3243-3dd4-4a8d-8c0d-dd76da1f02a5"/>
@@ -16796,25 +18382,32 @@
 </ct:contentTypeSchema>
 </file>
 
-<file path=customXml/item2.xml><?xml version="1.0" encoding="utf-8"?>
-<?mso-contentType ?>
-<FormTemplates xmlns="http://schemas.microsoft.com/sharepoint/v3/contenttype/forms">
-  <Display>DocumentLibraryForm</Display>
-  <Edit>DocumentLibraryForm</Edit>
-  <New>DocumentLibraryForm</New>
-</FormTemplates>
+<file path=customXml/itemProps1.xml><?xml version="1.0" encoding="utf-8"?>
+<ds:datastoreItem xmlns:ds="http://schemas.openxmlformats.org/officeDocument/2006/customXml" ds:itemID="{950072C5-DDE0-4258-BA7A-4D4B80DFA632}">
+  <ds:schemaRefs>
+    <ds:schemaRef ds:uri="http://schemas.microsoft.com/office/2006/metadata/properties"/>
+    <ds:schemaRef ds:uri="http://schemas.microsoft.com/office/2006/documentManagement/types"/>
+    <ds:schemaRef ds:uri="http://schemas.microsoft.com/office/infopath/2007/PartnerControls"/>
+    <ds:schemaRef ds:uri="http://schemas.openxmlformats.org/package/2006/metadata/core-properties"/>
+    <ds:schemaRef ds:uri="http://purl.org/dc/elements/1.1/"/>
+    <ds:schemaRef ds:uri="http://purl.org/dc/dcmitype/"/>
+    <ds:schemaRef ds:uri="16c05727-aa75-4e4a-9b5f-8a80a1165891"/>
+    <ds:schemaRef ds:uri="71af3243-3dd4-4a8d-8c0d-dd76da1f02a5"/>
+    <ds:schemaRef ds:uri="http://www.w3.org/XML/1998/namespace"/>
+    <ds:schemaRef ds:uri="http://purl.org/dc/terms/"/>
+  </ds:schemaRefs>
+</ds:datastoreItem>
 </file>
 
-<file path=customXml/item3.xml><?xml version="1.0" encoding="utf-8"?>
-<p:properties xmlns:p="http://schemas.microsoft.com/office/2006/metadata/properties" xmlns:xsi="http://www.w3.org/2001/XMLSchema-instance" xmlns:pc="http://schemas.microsoft.com/office/infopath/2007/PartnerControls">
-  <documentManagement>
-    <Status xmlns="71af3243-3dd4-4a8d-8c0d-dd76da1f02a5">Not started</Status>
-    <MediaServiceKeyPoints xmlns="71af3243-3dd4-4a8d-8c0d-dd76da1f02a5" xsi:nil="true"/>
-  </documentManagement>
-</p:properties>
+<file path=customXml/itemProps2.xml><?xml version="1.0" encoding="utf-8"?>
+<ds:datastoreItem xmlns:ds="http://schemas.openxmlformats.org/officeDocument/2006/customXml" ds:itemID="{7EE8C63A-4744-4DE4-BB49-0FF0B5375C60}">
+  <ds:schemaRefs>
+    <ds:schemaRef ds:uri="http://schemas.microsoft.com/sharepoint/v3/contenttype/forms"/>
+  </ds:schemaRefs>
+</ds:datastoreItem>
 </file>
 
-<file path=customXml/itemProps1.xml><?xml version="1.0" encoding="utf-8"?>
+<file path=customXml/itemProps3.xml><?xml version="1.0" encoding="utf-8"?>
 <ds:datastoreItem xmlns:ds="http://schemas.openxmlformats.org/officeDocument/2006/customXml" ds:itemID="{FD7FC771-7DFE-49DA-B577-71181BFBCB2E}">
   <ds:schemaRefs>
     <ds:schemaRef ds:uri="http://schemas.microsoft.com/office/2006/metadata/contentType"/>
@@ -16831,29 +18424,4 @@
     <ds:schemaRef ds:uri="http://schemas.microsoft.com/internal/obd"/>
   </ds:schemaRefs>
 </ds:datastoreItem>
-</file>
-
-<file path=customXml/itemProps2.xml><?xml version="1.0" encoding="utf-8"?>
-<ds:datastoreItem xmlns:ds="http://schemas.openxmlformats.org/officeDocument/2006/customXml" ds:itemID="{7EE8C63A-4744-4DE4-BB49-0FF0B5375C60}">
-  <ds:schemaRefs>
-    <ds:schemaRef ds:uri="http://schemas.microsoft.com/sharepoint/v3/contenttype/forms"/>
-  </ds:schemaRefs>
-</ds:datastoreItem>
-</file>
-
-<file path=customXml/itemProps3.xml><?xml version="1.0" encoding="utf-8"?>
-<ds:datastoreItem xmlns:ds="http://schemas.openxmlformats.org/officeDocument/2006/customXml" ds:itemID="{950072C5-DDE0-4258-BA7A-4D4B80DFA632}">
-  <ds:schemaRefs>
-    <ds:schemaRef ds:uri="http://schemas.microsoft.com/office/2006/metadata/properties"/>
-    <ds:schemaRef ds:uri="http://schemas.microsoft.com/office/2006/documentManagement/types"/>
-    <ds:schemaRef ds:uri="http://schemas.microsoft.com/office/infopath/2007/PartnerControls"/>
-    <ds:schemaRef ds:uri="http://schemas.openxmlformats.org/package/2006/metadata/core-properties"/>
-    <ds:schemaRef ds:uri="http://purl.org/dc/elements/1.1/"/>
-    <ds:schemaRef ds:uri="http://purl.org/dc/dcmitype/"/>
-    <ds:schemaRef ds:uri="16c05727-aa75-4e4a-9b5f-8a80a1165891"/>
-    <ds:schemaRef ds:uri="71af3243-3dd4-4a8d-8c0d-dd76da1f02a5"/>
-    <ds:schemaRef ds:uri="http://www.w3.org/XML/1998/namespace"/>
-    <ds:schemaRef ds:uri="http://purl.org/dc/terms/"/>
-  </ds:schemaRefs>
-</ds:datastoreItem>
 </file>
--- a/Basketball-Elimination_problem.pptx
+++ b/Basketball-Elimination_problem.pptx
@@ -948,7 +948,19 @@
               <a:rPr lang="en-US" b="0" dirty="0">
                 <a:latin typeface="Comic Sans MS" panose="030F0702030302020204" pitchFamily="66" charset="0"/>
               </a:rPr>
-              <a:t> that downloads the games file locally and then called eliminationMaxFlowFromFile to compute elimination – I got this list in read. I check the results manually as much as I could.</a:t>
+              <a:t> that downloads the games file locally and then called eliminationMaxFlowFromFile to compute elimination – I got this list </a:t>
+            </a:r>
+            <a:r>
+              <a:rPr lang="en-US" b="0">
+                <a:latin typeface="Comic Sans MS" panose="030F0702030302020204" pitchFamily="66" charset="0"/>
+              </a:rPr>
+              <a:t>in red</a:t>
+            </a:r>
+            <a:r>
+              <a:rPr lang="en-US" b="0" dirty="0">
+                <a:latin typeface="Comic Sans MS" panose="030F0702030302020204" pitchFamily="66" charset="0"/>
+              </a:rPr>
+              <a:t>. I check the results manually as much as I could.</a:t>
             </a:r>
             <a:endParaRPr lang="en-US" b="0" dirty="0"/>
           </a:p>
